--- a/presentation.pptx
+++ b/presentation.pptx
@@ -130,6 +130,9 @@
         </p14:section>
       </p14:sectionLst>
     </p:ext>
+    <p:ext uri="{EFAFB233-063F-42B5-8137-9DF3F51BA10A}">
+      <p15:sldGuideLst xmlns:p15="http://schemas.microsoft.com/office/powerpoint/2012/main"/>
+    </p:ext>
   </p:extLst>
 </p:presentation>
 </file>
@@ -286,7 +289,7 @@
           <a:p>
             <a:fld id="{4BDF68E2-58F2-4D09-BE8B-E3BD06533059}" type="datetimeFigureOut">
               <a:rPr lang="en-US" smtClean="0"/>
-              <a:t>3/30/17</a:t>
+              <a:t>4/13/17</a:t>
             </a:fld>
             <a:endParaRPr lang="en-US" dirty="0"/>
           </a:p>
@@ -529,7 +532,7 @@
           <a:p>
             <a:fld id="{2E2D6473-DF6D-4702-B328-E0DD40540A4E}" type="datetimeFigureOut">
               <a:rPr lang="en-US" smtClean="0"/>
-              <a:t>3/30/17</a:t>
+              <a:t>4/13/17</a:t>
             </a:fld>
             <a:endParaRPr lang="en-US" dirty="0"/>
           </a:p>
@@ -704,7 +707,7 @@
           <a:p>
             <a:fld id="{E26F7E3A-B166-407D-9866-32884E7D5B37}" type="datetimeFigureOut">
               <a:rPr lang="en-US" smtClean="0"/>
-              <a:t>3/30/17</a:t>
+              <a:t>4/13/17</a:t>
             </a:fld>
             <a:endParaRPr lang="en-US" dirty="0"/>
           </a:p>
@@ -909,7 +912,7 @@
           <a:p>
             <a:fld id="{528FC5F6-F338-4AE4-BB23-26385BCFC423}" type="datetimeFigureOut">
               <a:rPr lang="en-US" smtClean="0"/>
-              <a:t>3/30/17</a:t>
+              <a:t>4/13/17</a:t>
             </a:fld>
             <a:endParaRPr lang="en-US" dirty="0"/>
           </a:p>
@@ -1161,7 +1164,7 @@
           <a:p>
             <a:fld id="{20EBB0C4-6273-4C6E-B9BD-2EDC30F1CD52}" type="datetimeFigureOut">
               <a:rPr lang="en-US" smtClean="0"/>
-              <a:t>3/30/17</a:t>
+              <a:t>4/13/17</a:t>
             </a:fld>
             <a:endParaRPr lang="en-US" dirty="0"/>
           </a:p>
@@ -1508,7 +1511,7 @@
           <a:p>
             <a:fld id="{19AB4D41-86C1-4908-B66A-0B50CEB3BF29}" type="datetimeFigureOut">
               <a:rPr lang="en-US" smtClean="0"/>
-              <a:t>3/30/17</a:t>
+              <a:t>4/13/17</a:t>
             </a:fld>
             <a:endParaRPr lang="en-US" dirty="0"/>
           </a:p>
@@ -1905,7 +1908,7 @@
           <a:p>
             <a:fld id="{E6426E2C-56C1-4E0D-A793-0088A7FDD37E}" type="datetimeFigureOut">
               <a:rPr lang="en-US" smtClean="0"/>
-              <a:t>3/30/17</a:t>
+              <a:t>4/13/17</a:t>
             </a:fld>
             <a:endParaRPr lang="en-US" dirty="0"/>
           </a:p>
@@ -2018,7 +2021,7 @@
           <a:p>
             <a:fld id="{C8C39B41-D8B5-4052-B551-9B5525EAA8B6}" type="datetimeFigureOut">
               <a:rPr lang="en-US" smtClean="0"/>
-              <a:t>3/30/17</a:t>
+              <a:t>4/13/17</a:t>
             </a:fld>
             <a:endParaRPr lang="en-US" dirty="0"/>
           </a:p>
@@ -2108,7 +2111,7 @@
           <a:p>
             <a:fld id="{4D94136C-8742-45B2-AF27-D93DF72833A9}" type="datetimeFigureOut">
               <a:rPr lang="en-US" smtClean="0"/>
-              <a:t>3/30/17</a:t>
+              <a:t>4/13/17</a:t>
             </a:fld>
             <a:endParaRPr lang="en-US" dirty="0"/>
           </a:p>
@@ -2394,7 +2397,7 @@
           <a:p>
             <a:fld id="{32ABBEA6-7C60-4B02-AE87-00D78D8422AF}" type="datetimeFigureOut">
               <a:rPr lang="en-US" smtClean="0"/>
-              <a:t>3/30/17</a:t>
+              <a:t>4/13/17</a:t>
             </a:fld>
             <a:endParaRPr lang="en-US" dirty="0"/>
           </a:p>
@@ -2670,7 +2673,7 @@
           <a:p>
             <a:fld id="{C9CAD897-D46E-4AD2-BD9B-49DD3E640873}" type="datetimeFigureOut">
               <a:rPr lang="en-US" smtClean="0"/>
-              <a:t>3/30/17</a:t>
+              <a:t>4/13/17</a:t>
             </a:fld>
             <a:endParaRPr lang="en-US" dirty="0"/>
           </a:p>
@@ -2915,7 +2918,7 @@
           <a:p>
             <a:fld id="{98624D31-43A5-475A-80CF-332C9F6DCF35}" type="datetimeFigureOut">
               <a:rPr lang="en-US" smtClean="0"/>
-              <a:t>3/30/17</a:t>
+              <a:t>4/13/17</a:t>
             </a:fld>
             <a:endParaRPr lang="en-US" dirty="0"/>
           </a:p>
@@ -3490,8 +3493,25 @@
             </a:r>
             <a:r>
               <a:rPr lang="fr-FR" dirty="0" smtClean="0"/>
-              <a:t> Georges and constance pineau</a:t>
-            </a:r>
+              <a:t> Georges </a:t>
+            </a:r>
+            <a:r>
+              <a:rPr lang="fr-FR" smtClean="0"/>
+              <a:t>and </a:t>
+            </a:r>
+            <a:r>
+              <a:rPr lang="fr-FR" smtClean="0"/>
+              <a:t>Constance </a:t>
+            </a:r>
+            <a:r>
+              <a:rPr lang="fr-FR" dirty="0"/>
+              <a:t>P</a:t>
+            </a:r>
+            <a:r>
+              <a:rPr lang="fr-FR" smtClean="0"/>
+              <a:t>ineau</a:t>
+            </a:r>
+            <a:endParaRPr lang="fr-FR" dirty="0" smtClean="0"/>
           </a:p>
           <a:p>
             <a:r>
@@ -3510,8 +3530,8 @@
         </p:nvSpPr>
         <p:spPr>
           <a:xfrm>
-            <a:off x="3710355" y="1477107"/>
-            <a:ext cx="5328138" cy="1569660"/>
+            <a:off x="3354754" y="1489807"/>
+            <a:ext cx="5649545" cy="1569660"/>
           </a:xfrm>
           <a:prstGeom prst="rect">
             <a:avLst/>
@@ -3528,7 +3548,19 @@
               <a:rPr lang="fr-FR" sz="9600" dirty="0" err="1" smtClean="0">
                 <a:latin typeface="+mj-lt"/>
               </a:rPr>
-              <a:t>EasyTravel</a:t>
+              <a:t>Travel</a:t>
+            </a:r>
+            <a:r>
+              <a:rPr lang="fr-FR" sz="9600" dirty="0" smtClean="0">
+                <a:latin typeface="+mj-lt"/>
+              </a:rPr>
+              <a:t> &amp; </a:t>
+            </a:r>
+            <a:r>
+              <a:rPr lang="fr-FR" sz="9600" dirty="0" err="1" smtClean="0">
+                <a:latin typeface="+mj-lt"/>
+              </a:rPr>
+              <a:t>Learn</a:t>
             </a:r>
             <a:endParaRPr lang="fr-FR" sz="9600" dirty="0">
               <a:latin typeface="+mj-lt"/>
@@ -5665,8 +5697,21 @@
             </a:r>
             <a:r>
               <a:rPr lang="fr-FR" dirty="0" smtClean="0"/>
-              <a:t> Georges and constance pineau</a:t>
-            </a:r>
+              <a:t> Georges and </a:t>
+            </a:r>
+            <a:r>
+              <a:rPr lang="fr-FR" dirty="0" smtClean="0"/>
+              <a:t>Constance </a:t>
+            </a:r>
+            <a:r>
+              <a:rPr lang="fr-FR" dirty="0"/>
+              <a:t>P</a:t>
+            </a:r>
+            <a:r>
+              <a:rPr lang="fr-FR" dirty="0" smtClean="0"/>
+              <a:t>ineau</a:t>
+            </a:r>
+            <a:endParaRPr lang="fr-FR" dirty="0" smtClean="0"/>
           </a:p>
           <a:p>
             <a:r>

--- a/presentation.pptx
+++ b/presentation.pptx
@@ -12,8 +12,9 @@
     <p:sldId id="260" r:id="rId6"/>
     <p:sldId id="261" r:id="rId7"/>
     <p:sldId id="262" r:id="rId8"/>
-    <p:sldId id="265" r:id="rId9"/>
-    <p:sldId id="263" r:id="rId10"/>
+    <p:sldId id="263" r:id="rId9"/>
+    <p:sldId id="265" r:id="rId10"/>
+    <p:sldId id="266" r:id="rId11"/>
   </p:sldIdLst>
   <p:sldSz cx="12192000" cy="6858000"/>
   <p:notesSz cx="6858000" cy="9144000"/>
@@ -124,8 +125,9 @@
             <p14:sldId id="260"/>
             <p14:sldId id="261"/>
             <p14:sldId id="262"/>
+            <p14:sldId id="263"/>
             <p14:sldId id="265"/>
-            <p14:sldId id="263"/>
+            <p14:sldId id="266"/>
           </p14:sldIdLst>
         </p14:section>
       </p14:sectionLst>
@@ -289,7 +291,7 @@
           <a:p>
             <a:fld id="{4BDF68E2-58F2-4D09-BE8B-E3BD06533059}" type="datetimeFigureOut">
               <a:rPr lang="en-US" smtClean="0"/>
-              <a:t>4/13/17</a:t>
+              <a:t>5/1/17</a:t>
             </a:fld>
             <a:endParaRPr lang="en-US" dirty="0"/>
           </a:p>
@@ -532,7 +534,7 @@
           <a:p>
             <a:fld id="{2E2D6473-DF6D-4702-B328-E0DD40540A4E}" type="datetimeFigureOut">
               <a:rPr lang="en-US" smtClean="0"/>
-              <a:t>4/13/17</a:t>
+              <a:t>5/1/17</a:t>
             </a:fld>
             <a:endParaRPr lang="en-US" dirty="0"/>
           </a:p>
@@ -707,7 +709,7 @@
           <a:p>
             <a:fld id="{E26F7E3A-B166-407D-9866-32884E7D5B37}" type="datetimeFigureOut">
               <a:rPr lang="en-US" smtClean="0"/>
-              <a:t>4/13/17</a:t>
+              <a:t>5/1/17</a:t>
             </a:fld>
             <a:endParaRPr lang="en-US" dirty="0"/>
           </a:p>
@@ -912,7 +914,7 @@
           <a:p>
             <a:fld id="{528FC5F6-F338-4AE4-BB23-26385BCFC423}" type="datetimeFigureOut">
               <a:rPr lang="en-US" smtClean="0"/>
-              <a:t>4/13/17</a:t>
+              <a:t>5/1/17</a:t>
             </a:fld>
             <a:endParaRPr lang="en-US" dirty="0"/>
           </a:p>
@@ -1164,7 +1166,7 @@
           <a:p>
             <a:fld id="{20EBB0C4-6273-4C6E-B9BD-2EDC30F1CD52}" type="datetimeFigureOut">
               <a:rPr lang="en-US" smtClean="0"/>
-              <a:t>4/13/17</a:t>
+              <a:t>5/1/17</a:t>
             </a:fld>
             <a:endParaRPr lang="en-US" dirty="0"/>
           </a:p>
@@ -1511,7 +1513,7 @@
           <a:p>
             <a:fld id="{19AB4D41-86C1-4908-B66A-0B50CEB3BF29}" type="datetimeFigureOut">
               <a:rPr lang="en-US" smtClean="0"/>
-              <a:t>4/13/17</a:t>
+              <a:t>5/1/17</a:t>
             </a:fld>
             <a:endParaRPr lang="en-US" dirty="0"/>
           </a:p>
@@ -1908,7 +1910,7 @@
           <a:p>
             <a:fld id="{E6426E2C-56C1-4E0D-A793-0088A7FDD37E}" type="datetimeFigureOut">
               <a:rPr lang="en-US" smtClean="0"/>
-              <a:t>4/13/17</a:t>
+              <a:t>5/1/17</a:t>
             </a:fld>
             <a:endParaRPr lang="en-US" dirty="0"/>
           </a:p>
@@ -2021,7 +2023,7 @@
           <a:p>
             <a:fld id="{C8C39B41-D8B5-4052-B551-9B5525EAA8B6}" type="datetimeFigureOut">
               <a:rPr lang="en-US" smtClean="0"/>
-              <a:t>4/13/17</a:t>
+              <a:t>5/1/17</a:t>
             </a:fld>
             <a:endParaRPr lang="en-US" dirty="0"/>
           </a:p>
@@ -2111,7 +2113,7 @@
           <a:p>
             <a:fld id="{4D94136C-8742-45B2-AF27-D93DF72833A9}" type="datetimeFigureOut">
               <a:rPr lang="en-US" smtClean="0"/>
-              <a:t>4/13/17</a:t>
+              <a:t>5/1/17</a:t>
             </a:fld>
             <a:endParaRPr lang="en-US" dirty="0"/>
           </a:p>
@@ -2397,7 +2399,7 @@
           <a:p>
             <a:fld id="{32ABBEA6-7C60-4B02-AE87-00D78D8422AF}" type="datetimeFigureOut">
               <a:rPr lang="en-US" smtClean="0"/>
-              <a:t>4/13/17</a:t>
+              <a:t>5/1/17</a:t>
             </a:fld>
             <a:endParaRPr lang="en-US" dirty="0"/>
           </a:p>
@@ -2673,7 +2675,7 @@
           <a:p>
             <a:fld id="{C9CAD897-D46E-4AD2-BD9B-49DD3E640873}" type="datetimeFigureOut">
               <a:rPr lang="en-US" smtClean="0"/>
-              <a:t>4/13/17</a:t>
+              <a:t>5/1/17</a:t>
             </a:fld>
             <a:endParaRPr lang="en-US" dirty="0"/>
           </a:p>
@@ -2918,7 +2920,7 @@
           <a:p>
             <a:fld id="{98624D31-43A5-475A-80CF-332C9F6DCF35}" type="datetimeFigureOut">
               <a:rPr lang="en-US" smtClean="0"/>
-              <a:t>4/13/17</a:t>
+              <a:t>5/1/17</a:t>
             </a:fld>
             <a:endParaRPr lang="en-US" dirty="0"/>
           </a:p>
@@ -3493,25 +3495,16 @@
             </a:r>
             <a:r>
               <a:rPr lang="fr-FR" dirty="0" smtClean="0"/>
-              <a:t> Georges </a:t>
-            </a:r>
-            <a:r>
-              <a:rPr lang="fr-FR" smtClean="0"/>
-              <a:t>and </a:t>
-            </a:r>
-            <a:r>
-              <a:rPr lang="fr-FR" smtClean="0"/>
-              <a:t>Constance </a:t>
+              <a:t> Georges and Constance </a:t>
             </a:r>
             <a:r>
               <a:rPr lang="fr-FR" dirty="0"/>
               <a:t>P</a:t>
             </a:r>
             <a:r>
-              <a:rPr lang="fr-FR" smtClean="0"/>
+              <a:rPr lang="fr-FR" dirty="0" smtClean="0"/>
               <a:t>ineau</a:t>
             </a:r>
-            <a:endParaRPr lang="fr-FR" dirty="0" smtClean="0"/>
           </a:p>
           <a:p>
             <a:r>
@@ -3530,7 +3523,7 @@
         </p:nvSpPr>
         <p:spPr>
           <a:xfrm>
-            <a:off x="3354754" y="1489807"/>
+            <a:off x="2504751" y="1489808"/>
             <a:ext cx="5649545" cy="1569660"/>
           </a:xfrm>
           <a:prstGeom prst="rect">
@@ -3568,6 +3561,36 @@
           </a:p>
         </p:txBody>
       </p:sp>
+      <p:pic>
+        <p:nvPicPr>
+          <p:cNvPr id="5" name="Image 4"/>
+          <p:cNvPicPr>
+            <a:picLocks noChangeAspect="1"/>
+          </p:cNvPicPr>
+          <p:nvPr/>
+        </p:nvPicPr>
+        <p:blipFill>
+          <a:blip r:embed="rId2">
+            <a:extLst>
+              <a:ext uri="{28A0092B-C50C-407E-A947-70E740481C1C}">
+                <a14:useLocalDpi xmlns:a14="http://schemas.microsoft.com/office/drawing/2010/main" val="0"/>
+              </a:ext>
+            </a:extLst>
+          </a:blip>
+          <a:stretch>
+            <a:fillRect/>
+          </a:stretch>
+        </p:blipFill>
+        <p:spPr>
+          <a:xfrm>
+            <a:off x="8154296" y="1489808"/>
+            <a:ext cx="1318708" cy="1318708"/>
+          </a:xfrm>
+          <a:prstGeom prst="rect">
+            <a:avLst/>
+          </a:prstGeom>
+        </p:spPr>
+      </p:pic>
     </p:spTree>
     <p:extLst>
       <p:ext uri="{BB962C8B-B14F-4D97-AF65-F5344CB8AC3E}">
@@ -3578,6 +3601,203 @@
   <p:clrMapOvr>
     <a:masterClrMapping/>
   </p:clrMapOvr>
+  <mc:AlternateContent xmlns:mc="http://schemas.openxmlformats.org/markup-compatibility/2006" xmlns:p14="http://schemas.microsoft.com/office/powerpoint/2010/main">
+    <mc:Choice Requires="p14">
+      <p:transition spd="med" p14:dur="700">
+        <p:fade/>
+      </p:transition>
+    </mc:Choice>
+    <mc:Fallback xmlns="">
+      <p:transition spd="med">
+        <p:fade/>
+      </p:transition>
+    </mc:Fallback>
+  </mc:AlternateContent>
+  <p:timing>
+    <p:tnLst>
+      <p:par>
+        <p:cTn id="1" dur="indefinite" restart="never" nodeType="tmRoot"/>
+      </p:par>
+    </p:tnLst>
+  </p:timing>
+</p:sld>
+</file>
+
+<file path=ppt/slides/slide10.xml><?xml version="1.0" encoding="utf-8"?>
+<p:sld xmlns:a="http://schemas.openxmlformats.org/drawingml/2006/main" xmlns:r="http://schemas.openxmlformats.org/officeDocument/2006/relationships" xmlns:p="http://schemas.openxmlformats.org/presentationml/2006/main">
+  <p:cSld>
+    <p:bg>
+      <p:bgPr>
+        <a:solidFill>
+          <a:srgbClr val="E1DFE5"/>
+        </a:solidFill>
+        <a:effectLst/>
+      </p:bgPr>
+    </p:bg>
+    <p:spTree>
+      <p:nvGrpSpPr>
+        <p:cNvPr id="1" name=""/>
+        <p:cNvGrpSpPr/>
+        <p:nvPr/>
+      </p:nvGrpSpPr>
+      <p:grpSpPr>
+        <a:xfrm>
+          <a:off x="0" y="0"/>
+          <a:ext cx="0" cy="0"/>
+          <a:chOff x="0" y="0"/>
+          <a:chExt cx="0" cy="0"/>
+        </a:xfrm>
+      </p:grpSpPr>
+      <p:sp>
+        <p:nvSpPr>
+          <p:cNvPr id="2" name="Titre 1"/>
+          <p:cNvSpPr>
+            <a:spLocks noGrp="1"/>
+          </p:cNvSpPr>
+          <p:nvPr>
+            <p:ph type="ctrTitle"/>
+          </p:nvPr>
+        </p:nvSpPr>
+        <p:spPr/>
+        <p:txBody>
+          <a:bodyPr/>
+          <a:lstStyle/>
+          <a:p>
+            <a:r>
+              <a:rPr lang="fr-FR" dirty="0" err="1" smtClean="0"/>
+              <a:t>PrEsentation</a:t>
+            </a:r>
+            <a:endParaRPr lang="fr-FR" dirty="0"/>
+          </a:p>
+        </p:txBody>
+      </p:sp>
+      <p:sp>
+        <p:nvSpPr>
+          <p:cNvPr id="3" name="Sous-titre 2"/>
+          <p:cNvSpPr>
+            <a:spLocks noGrp="1"/>
+          </p:cNvSpPr>
+          <p:nvPr>
+            <p:ph type="subTitle" idx="1"/>
+          </p:nvPr>
+        </p:nvSpPr>
+        <p:spPr/>
+        <p:txBody>
+          <a:bodyPr>
+            <a:normAutofit/>
+          </a:bodyPr>
+          <a:lstStyle/>
+          <a:p>
+            <a:r>
+              <a:rPr lang="fr-FR" dirty="0" smtClean="0"/>
+              <a:t>English </a:t>
+            </a:r>
+            <a:r>
+              <a:rPr lang="fr-FR" dirty="0" err="1" smtClean="0"/>
+              <a:t>project</a:t>
+            </a:r>
+            <a:r>
+              <a:rPr lang="fr-FR" dirty="0" smtClean="0"/>
+              <a:t> by </a:t>
+            </a:r>
+            <a:r>
+              <a:rPr lang="fr-FR" dirty="0" err="1" smtClean="0"/>
+              <a:t>Frederic</a:t>
+            </a:r>
+            <a:r>
+              <a:rPr lang="fr-FR" dirty="0" smtClean="0"/>
+              <a:t> Georges and Constance </a:t>
+            </a:r>
+            <a:r>
+              <a:rPr lang="fr-FR" dirty="0"/>
+              <a:t>P</a:t>
+            </a:r>
+            <a:r>
+              <a:rPr lang="fr-FR" dirty="0" smtClean="0"/>
+              <a:t>ineau</a:t>
+            </a:r>
+          </a:p>
+          <a:p>
+            <a:r>
+              <a:rPr lang="fr-FR" dirty="0" smtClean="0"/>
+              <a:t>3rd of April 2017</a:t>
+            </a:r>
+            <a:endParaRPr lang="fr-FR" dirty="0"/>
+          </a:p>
+        </p:txBody>
+      </p:sp>
+      <p:sp>
+        <p:nvSpPr>
+          <p:cNvPr id="9" name="ZoneTexte 8"/>
+          <p:cNvSpPr txBox="1"/>
+          <p:nvPr/>
+        </p:nvSpPr>
+        <p:spPr>
+          <a:xfrm>
+            <a:off x="357187" y="1462819"/>
+            <a:ext cx="11568111" cy="1569660"/>
+          </a:xfrm>
+          <a:prstGeom prst="rect">
+            <a:avLst/>
+          </a:prstGeom>
+          <a:noFill/>
+        </p:spPr>
+        <p:txBody>
+          <a:bodyPr wrap="square" rtlCol="0">
+            <a:spAutoFit/>
+          </a:bodyPr>
+          <a:lstStyle/>
+          <a:p>
+            <a:pPr algn="ctr"/>
+            <a:r>
+              <a:rPr lang="fr-FR" sz="9600" dirty="0" err="1" smtClean="0">
+                <a:latin typeface="+mj-lt"/>
+              </a:rPr>
+              <a:t>Thanks</a:t>
+            </a:r>
+            <a:r>
+              <a:rPr lang="fr-FR" sz="9600" dirty="0" smtClean="0">
+                <a:latin typeface="+mj-lt"/>
+              </a:rPr>
+              <a:t> for </a:t>
+            </a:r>
+            <a:r>
+              <a:rPr lang="fr-FR" sz="9600" dirty="0" err="1" smtClean="0">
+                <a:latin typeface="+mj-lt"/>
+              </a:rPr>
+              <a:t>your</a:t>
+            </a:r>
+            <a:r>
+              <a:rPr lang="fr-FR" sz="9600" dirty="0" smtClean="0">
+                <a:latin typeface="+mj-lt"/>
+              </a:rPr>
+              <a:t> attention</a:t>
+            </a:r>
+          </a:p>
+        </p:txBody>
+      </p:sp>
+    </p:spTree>
+    <p:extLst>
+      <p:ext uri="{BB962C8B-B14F-4D97-AF65-F5344CB8AC3E}">
+        <p14:creationId xmlns:p14="http://schemas.microsoft.com/office/powerpoint/2010/main" val="287810936"/>
+      </p:ext>
+    </p:extLst>
+  </p:cSld>
+  <p:clrMapOvr>
+    <a:masterClrMapping/>
+  </p:clrMapOvr>
+  <mc:AlternateContent xmlns:mc="http://schemas.openxmlformats.org/markup-compatibility/2006" xmlns:p14="http://schemas.microsoft.com/office/powerpoint/2010/main">
+    <mc:Choice Requires="p14">
+      <p:transition spd="med" p14:dur="700">
+        <p:fade/>
+      </p:transition>
+    </mc:Choice>
+    <mc:Fallback xmlns="">
+      <p:transition spd="med">
+        <p:fade/>
+      </p:transition>
+    </mc:Fallback>
+  </mc:AlternateContent>
   <p:timing>
     <p:tnLst>
       <p:par>
@@ -3651,19 +3871,6 @@
           <a:bodyPr/>
           <a:lstStyle/>
           <a:p>
-            <a:pPr marL="0" indent="0">
-              <a:lnSpc>
-                <a:spcPct val="150000"/>
-              </a:lnSpc>
-              <a:buNone/>
-            </a:pPr>
-            <a:r>
-              <a:rPr lang="fr-FR" dirty="0"/>
-              <a:t> </a:t>
-            </a:r>
-            <a:endParaRPr lang="fr-FR" dirty="0" smtClean="0"/>
-          </a:p>
-          <a:p>
             <a:pPr>
               <a:lnSpc>
                 <a:spcPct val="150000"/>
@@ -3673,27 +3880,19 @@
             </a:pPr>
             <a:r>
               <a:rPr lang="fr-FR" dirty="0" smtClean="0"/>
-              <a:t> </a:t>
-            </a:r>
-            <a:r>
-              <a:rPr lang="fr-FR" dirty="0" err="1" smtClean="0"/>
-              <a:t>Helpful</a:t>
-            </a:r>
-            <a:r>
-              <a:rPr lang="fr-FR" dirty="0" smtClean="0"/>
-              <a:t> </a:t>
-            </a:r>
-            <a:r>
-              <a:rPr lang="fr-FR" dirty="0" err="1" smtClean="0"/>
-              <a:t>website</a:t>
-            </a:r>
-            <a:r>
-              <a:rPr lang="fr-FR" dirty="0" smtClean="0"/>
-              <a:t> for </a:t>
-            </a:r>
-            <a:r>
-              <a:rPr lang="fr-FR" dirty="0" err="1" smtClean="0"/>
-              <a:t>travellers</a:t>
+              <a:t> More and more people are </a:t>
+            </a:r>
+            <a:r>
+              <a:rPr lang="fr-FR" dirty="0" err="1" smtClean="0"/>
+              <a:t>tempted</a:t>
+            </a:r>
+            <a:r>
+              <a:rPr lang="fr-FR" dirty="0" smtClean="0"/>
+              <a:t> to </a:t>
+            </a:r>
+            <a:r>
+              <a:rPr lang="fr-FR" dirty="0" err="1" smtClean="0"/>
+              <a:t>travel</a:t>
             </a:r>
             <a:endParaRPr lang="fr-FR" dirty="0" smtClean="0"/>
           </a:p>
@@ -3710,29 +3909,22 @@
               <a:t> </a:t>
             </a:r>
             <a:r>
-              <a:rPr lang="fr-FR" dirty="0" err="1" smtClean="0"/>
-              <a:t>Also</a:t>
-            </a:r>
-            <a:r>
-              <a:rPr lang="fr-FR" dirty="0" smtClean="0"/>
-              <a:t>, a cultural guide for </a:t>
-            </a:r>
-            <a:r>
-              <a:rPr lang="fr-FR" dirty="0"/>
-              <a:t>E</a:t>
-            </a:r>
-            <a:r>
-              <a:rPr lang="fr-FR" dirty="0" smtClean="0"/>
-              <a:t>nglish </a:t>
-            </a:r>
-            <a:r>
-              <a:rPr lang="fr-FR" dirty="0" err="1" smtClean="0"/>
-              <a:t>speaking</a:t>
-            </a:r>
-            <a:r>
-              <a:rPr lang="fr-FR" dirty="0" smtClean="0"/>
-              <a:t> countries</a:t>
-            </a:r>
+              <a:rPr lang="fr-FR" dirty="0" smtClean="0"/>
+              <a:t>English </a:t>
+            </a:r>
+            <a:r>
+              <a:rPr lang="fr-FR" dirty="0" err="1" smtClean="0"/>
+              <a:t>is</a:t>
+            </a:r>
+            <a:r>
+              <a:rPr lang="fr-FR" dirty="0" smtClean="0"/>
+              <a:t> the first world </a:t>
+            </a:r>
+            <a:r>
+              <a:rPr lang="fr-FR" dirty="0" err="1" smtClean="0"/>
+              <a:t>language</a:t>
+            </a:r>
+            <a:endParaRPr lang="fr-FR" dirty="0" smtClean="0"/>
           </a:p>
           <a:p>
             <a:pPr>
@@ -3748,11 +3940,11 @@
             </a:r>
             <a:r>
               <a:rPr lang="fr-FR" dirty="0" smtClean="0"/>
-              <a:t>Quick </a:t>
-            </a:r>
-            <a:r>
-              <a:rPr lang="fr-FR" dirty="0" err="1" smtClean="0"/>
-              <a:t>learning</a:t>
+              <a:t>A </a:t>
+            </a:r>
+            <a:r>
+              <a:rPr lang="fr-FR" dirty="0" err="1" smtClean="0"/>
+              <a:t>website</a:t>
             </a:r>
             <a:r>
               <a:rPr lang="fr-FR" dirty="0" smtClean="0"/>
@@ -3760,15 +3952,93 @@
             </a:r>
             <a:r>
               <a:rPr lang="fr-FR" dirty="0" err="1" smtClean="0"/>
-              <a:t>exercises</a:t>
-            </a:r>
-            <a:endParaRPr lang="fr-FR" dirty="0" smtClean="0"/>
-          </a:p>
-          <a:p>
-            <a:pPr>
+              <a:t>that</a:t>
+            </a:r>
+            <a:r>
+              <a:rPr lang="fr-FR" dirty="0" smtClean="0"/>
+              <a:t> </a:t>
+            </a:r>
+            <a:r>
+              <a:rPr lang="fr-FR" dirty="0" err="1" smtClean="0"/>
+              <a:t>helps</a:t>
+            </a:r>
+            <a:r>
+              <a:rPr lang="fr-FR" dirty="0" smtClean="0"/>
+              <a:t> people </a:t>
+            </a:r>
+            <a:r>
+              <a:rPr lang="fr-FR" dirty="0" err="1" smtClean="0"/>
+              <a:t>when</a:t>
+            </a:r>
+            <a:r>
+              <a:rPr lang="fr-FR" dirty="0" smtClean="0"/>
+              <a:t> </a:t>
+            </a:r>
+            <a:r>
+              <a:rPr lang="fr-FR" dirty="0" err="1" smtClean="0"/>
+              <a:t>they</a:t>
+            </a:r>
+            <a:r>
+              <a:rPr lang="fr-FR" dirty="0" smtClean="0"/>
+              <a:t> are travelling</a:t>
+            </a:r>
+          </a:p>
+          <a:p>
+            <a:pPr lvl="1">
+              <a:lnSpc>
+                <a:spcPct val="150000"/>
+              </a:lnSpc>
               <a:buFont typeface=".AppleSystemUIFont" charset="-120"/>
               <a:buChar char="-"/>
             </a:pPr>
+            <a:r>
+              <a:rPr lang="fr-FR" dirty="0" smtClean="0"/>
+              <a:t>Learning the basis of </a:t>
+            </a:r>
+            <a:r>
+              <a:rPr lang="fr-FR" dirty="0" err="1" smtClean="0"/>
+              <a:t>english</a:t>
+            </a:r>
+            <a:endParaRPr lang="fr-FR" dirty="0" smtClean="0"/>
+          </a:p>
+          <a:p>
+            <a:pPr lvl="1">
+              <a:lnSpc>
+                <a:spcPct val="150000"/>
+              </a:lnSpc>
+              <a:buFont typeface=".AppleSystemUIFont" charset="-120"/>
+              <a:buChar char="-"/>
+            </a:pPr>
+            <a:r>
+              <a:rPr lang="fr-FR" dirty="0" err="1"/>
+              <a:t>S</a:t>
+            </a:r>
+            <a:r>
+              <a:rPr lang="fr-FR" dirty="0" err="1" smtClean="0"/>
+              <a:t>pecified</a:t>
+            </a:r>
+            <a:r>
+              <a:rPr lang="fr-FR" dirty="0" smtClean="0"/>
+              <a:t> </a:t>
+            </a:r>
+            <a:r>
+              <a:rPr lang="fr-FR" dirty="0" err="1" smtClean="0"/>
+              <a:t>vocabulary</a:t>
+            </a:r>
+            <a:endParaRPr lang="fr-FR" dirty="0" smtClean="0"/>
+          </a:p>
+          <a:p>
+            <a:pPr lvl="1">
+              <a:lnSpc>
+                <a:spcPct val="150000"/>
+              </a:lnSpc>
+              <a:buFont typeface=".AppleSystemUIFont" charset="-120"/>
+              <a:buChar char="-"/>
+            </a:pPr>
+            <a:r>
+              <a:rPr lang="fr-FR" dirty="0" smtClean="0"/>
+              <a:t>Culture guide</a:t>
+            </a:r>
             <a:endParaRPr lang="fr-FR" dirty="0"/>
           </a:p>
         </p:txBody>
@@ -3783,10 +4053,375 @@
   <p:clrMapOvr>
     <a:masterClrMapping/>
   </p:clrMapOvr>
+  <mc:AlternateContent xmlns:mc="http://schemas.openxmlformats.org/markup-compatibility/2006" xmlns:p14="http://schemas.microsoft.com/office/powerpoint/2010/main">
+    <mc:Choice Requires="p14">
+      <p:transition spd="med" p14:dur="700">
+        <p:fade/>
+      </p:transition>
+    </mc:Choice>
+    <mc:Fallback xmlns="">
+      <p:transition spd="med">
+        <p:fade/>
+      </p:transition>
+    </mc:Fallback>
+  </mc:AlternateContent>
   <p:timing>
     <p:tnLst>
       <p:par>
-        <p:cTn id="1" dur="indefinite" restart="never" nodeType="tmRoot"/>
+        <p:cTn id="1" dur="indefinite" restart="never" nodeType="tmRoot">
+          <p:childTnLst>
+            <p:seq concurrent="1" nextAc="seek">
+              <p:cTn id="2" dur="indefinite" nodeType="mainSeq">
+                <p:childTnLst>
+                  <p:par>
+                    <p:cTn id="3" fill="hold">
+                      <p:stCondLst>
+                        <p:cond delay="indefinite"/>
+                      </p:stCondLst>
+                      <p:childTnLst>
+                        <p:par>
+                          <p:cTn id="4" fill="hold">
+                            <p:stCondLst>
+                              <p:cond delay="0"/>
+                            </p:stCondLst>
+                            <p:childTnLst>
+                              <p:par>
+                                <p:cTn id="5" presetID="10" presetClass="entr" presetSubtype="0" fill="hold" nodeType="clickEffect">
+                                  <p:stCondLst>
+                                    <p:cond delay="0"/>
+                                  </p:stCondLst>
+                                  <p:childTnLst>
+                                    <p:set>
+                                      <p:cBhvr>
+                                        <p:cTn id="6" dur="1" fill="hold">
+                                          <p:stCondLst>
+                                            <p:cond delay="0"/>
+                                          </p:stCondLst>
+                                        </p:cTn>
+                                        <p:tgtEl>
+                                          <p:spTgt spid="3">
+                                            <p:txEl>
+                                              <p:pRg st="0" end="0"/>
+                                            </p:txEl>
+                                          </p:spTgt>
+                                        </p:tgtEl>
+                                        <p:attrNameLst>
+                                          <p:attrName>style.visibility</p:attrName>
+                                        </p:attrNameLst>
+                                      </p:cBhvr>
+                                      <p:to>
+                                        <p:strVal val="visible"/>
+                                      </p:to>
+                                    </p:set>
+                                    <p:animEffect transition="in" filter="fade">
+                                      <p:cBhvr>
+                                        <p:cTn id="7" dur="250"/>
+                                        <p:tgtEl>
+                                          <p:spTgt spid="3">
+                                            <p:txEl>
+                                              <p:pRg st="0" end="0"/>
+                                            </p:txEl>
+                                          </p:spTgt>
+                                        </p:tgtEl>
+                                      </p:cBhvr>
+                                    </p:animEffect>
+                                  </p:childTnLst>
+                                </p:cTn>
+                              </p:par>
+                            </p:childTnLst>
+                          </p:cTn>
+                        </p:par>
+                      </p:childTnLst>
+                    </p:cTn>
+                  </p:par>
+                  <p:par>
+                    <p:cTn id="8" fill="hold">
+                      <p:stCondLst>
+                        <p:cond delay="indefinite"/>
+                      </p:stCondLst>
+                      <p:childTnLst>
+                        <p:par>
+                          <p:cTn id="9" fill="hold">
+                            <p:stCondLst>
+                              <p:cond delay="0"/>
+                            </p:stCondLst>
+                            <p:childTnLst>
+                              <p:par>
+                                <p:cTn id="10" presetID="10" presetClass="entr" presetSubtype="0" fill="hold" nodeType="clickEffect">
+                                  <p:stCondLst>
+                                    <p:cond delay="0"/>
+                                  </p:stCondLst>
+                                  <p:childTnLst>
+                                    <p:set>
+                                      <p:cBhvr>
+                                        <p:cTn id="11" dur="1" fill="hold">
+                                          <p:stCondLst>
+                                            <p:cond delay="0"/>
+                                          </p:stCondLst>
+                                        </p:cTn>
+                                        <p:tgtEl>
+                                          <p:spTgt spid="3">
+                                            <p:txEl>
+                                              <p:pRg st="1" end="1"/>
+                                            </p:txEl>
+                                          </p:spTgt>
+                                        </p:tgtEl>
+                                        <p:attrNameLst>
+                                          <p:attrName>style.visibility</p:attrName>
+                                        </p:attrNameLst>
+                                      </p:cBhvr>
+                                      <p:to>
+                                        <p:strVal val="visible"/>
+                                      </p:to>
+                                    </p:set>
+                                    <p:animEffect transition="in" filter="fade">
+                                      <p:cBhvr>
+                                        <p:cTn id="12" dur="250"/>
+                                        <p:tgtEl>
+                                          <p:spTgt spid="3">
+                                            <p:txEl>
+                                              <p:pRg st="1" end="1"/>
+                                            </p:txEl>
+                                          </p:spTgt>
+                                        </p:tgtEl>
+                                      </p:cBhvr>
+                                    </p:animEffect>
+                                  </p:childTnLst>
+                                </p:cTn>
+                              </p:par>
+                            </p:childTnLst>
+                          </p:cTn>
+                        </p:par>
+                      </p:childTnLst>
+                    </p:cTn>
+                  </p:par>
+                  <p:par>
+                    <p:cTn id="13" fill="hold">
+                      <p:stCondLst>
+                        <p:cond delay="indefinite"/>
+                      </p:stCondLst>
+                      <p:childTnLst>
+                        <p:par>
+                          <p:cTn id="14" fill="hold">
+                            <p:stCondLst>
+                              <p:cond delay="0"/>
+                            </p:stCondLst>
+                            <p:childTnLst>
+                              <p:par>
+                                <p:cTn id="15" presetID="10" presetClass="entr" presetSubtype="0" fill="hold" nodeType="clickEffect">
+                                  <p:stCondLst>
+                                    <p:cond delay="0"/>
+                                  </p:stCondLst>
+                                  <p:childTnLst>
+                                    <p:set>
+                                      <p:cBhvr>
+                                        <p:cTn id="16" dur="1" fill="hold">
+                                          <p:stCondLst>
+                                            <p:cond delay="0"/>
+                                          </p:stCondLst>
+                                        </p:cTn>
+                                        <p:tgtEl>
+                                          <p:spTgt spid="3">
+                                            <p:txEl>
+                                              <p:pRg st="2" end="2"/>
+                                            </p:txEl>
+                                          </p:spTgt>
+                                        </p:tgtEl>
+                                        <p:attrNameLst>
+                                          <p:attrName>style.visibility</p:attrName>
+                                        </p:attrNameLst>
+                                      </p:cBhvr>
+                                      <p:to>
+                                        <p:strVal val="visible"/>
+                                      </p:to>
+                                    </p:set>
+                                    <p:animEffect transition="in" filter="fade">
+                                      <p:cBhvr>
+                                        <p:cTn id="17" dur="250"/>
+                                        <p:tgtEl>
+                                          <p:spTgt spid="3">
+                                            <p:txEl>
+                                              <p:pRg st="2" end="2"/>
+                                            </p:txEl>
+                                          </p:spTgt>
+                                        </p:tgtEl>
+                                      </p:cBhvr>
+                                    </p:animEffect>
+                                  </p:childTnLst>
+                                </p:cTn>
+                              </p:par>
+                            </p:childTnLst>
+                          </p:cTn>
+                        </p:par>
+                      </p:childTnLst>
+                    </p:cTn>
+                  </p:par>
+                  <p:par>
+                    <p:cTn id="18" fill="hold">
+                      <p:stCondLst>
+                        <p:cond delay="indefinite"/>
+                      </p:stCondLst>
+                      <p:childTnLst>
+                        <p:par>
+                          <p:cTn id="19" fill="hold">
+                            <p:stCondLst>
+                              <p:cond delay="0"/>
+                            </p:stCondLst>
+                            <p:childTnLst>
+                              <p:par>
+                                <p:cTn id="20" presetID="10" presetClass="entr" presetSubtype="0" fill="hold" nodeType="clickEffect">
+                                  <p:stCondLst>
+                                    <p:cond delay="0"/>
+                                  </p:stCondLst>
+                                  <p:childTnLst>
+                                    <p:set>
+                                      <p:cBhvr>
+                                        <p:cTn id="21" dur="1" fill="hold">
+                                          <p:stCondLst>
+                                            <p:cond delay="0"/>
+                                          </p:stCondLst>
+                                        </p:cTn>
+                                        <p:tgtEl>
+                                          <p:spTgt spid="3">
+                                            <p:txEl>
+                                              <p:pRg st="3" end="3"/>
+                                            </p:txEl>
+                                          </p:spTgt>
+                                        </p:tgtEl>
+                                        <p:attrNameLst>
+                                          <p:attrName>style.visibility</p:attrName>
+                                        </p:attrNameLst>
+                                      </p:cBhvr>
+                                      <p:to>
+                                        <p:strVal val="visible"/>
+                                      </p:to>
+                                    </p:set>
+                                    <p:animEffect transition="in" filter="fade">
+                                      <p:cBhvr>
+                                        <p:cTn id="22" dur="250"/>
+                                        <p:tgtEl>
+                                          <p:spTgt spid="3">
+                                            <p:txEl>
+                                              <p:pRg st="3" end="3"/>
+                                            </p:txEl>
+                                          </p:spTgt>
+                                        </p:tgtEl>
+                                      </p:cBhvr>
+                                    </p:animEffect>
+                                  </p:childTnLst>
+                                </p:cTn>
+                              </p:par>
+                              <p:par>
+                                <p:cTn id="23" presetID="10" presetClass="entr" presetSubtype="0" fill="hold" nodeType="withEffect">
+                                  <p:stCondLst>
+                                    <p:cond delay="0"/>
+                                  </p:stCondLst>
+                                  <p:childTnLst>
+                                    <p:set>
+                                      <p:cBhvr>
+                                        <p:cTn id="24" dur="1" fill="hold">
+                                          <p:stCondLst>
+                                            <p:cond delay="0"/>
+                                          </p:stCondLst>
+                                        </p:cTn>
+                                        <p:tgtEl>
+                                          <p:spTgt spid="3">
+                                            <p:txEl>
+                                              <p:pRg st="4" end="4"/>
+                                            </p:txEl>
+                                          </p:spTgt>
+                                        </p:tgtEl>
+                                        <p:attrNameLst>
+                                          <p:attrName>style.visibility</p:attrName>
+                                        </p:attrNameLst>
+                                      </p:cBhvr>
+                                      <p:to>
+                                        <p:strVal val="visible"/>
+                                      </p:to>
+                                    </p:set>
+                                    <p:animEffect transition="in" filter="fade">
+                                      <p:cBhvr>
+                                        <p:cTn id="25" dur="250"/>
+                                        <p:tgtEl>
+                                          <p:spTgt spid="3">
+                                            <p:txEl>
+                                              <p:pRg st="4" end="4"/>
+                                            </p:txEl>
+                                          </p:spTgt>
+                                        </p:tgtEl>
+                                      </p:cBhvr>
+                                    </p:animEffect>
+                                  </p:childTnLst>
+                                </p:cTn>
+                              </p:par>
+                              <p:par>
+                                <p:cTn id="26" presetID="10" presetClass="entr" presetSubtype="0" fill="hold" nodeType="withEffect">
+                                  <p:stCondLst>
+                                    <p:cond delay="0"/>
+                                  </p:stCondLst>
+                                  <p:childTnLst>
+                                    <p:set>
+                                      <p:cBhvr>
+                                        <p:cTn id="27" dur="1" fill="hold">
+                                          <p:stCondLst>
+                                            <p:cond delay="0"/>
+                                          </p:stCondLst>
+                                        </p:cTn>
+                                        <p:tgtEl>
+                                          <p:spTgt spid="3">
+                                            <p:txEl>
+                                              <p:pRg st="5" end="5"/>
+                                            </p:txEl>
+                                          </p:spTgt>
+                                        </p:tgtEl>
+                                        <p:attrNameLst>
+                                          <p:attrName>style.visibility</p:attrName>
+                                        </p:attrNameLst>
+                                      </p:cBhvr>
+                                      <p:to>
+                                        <p:strVal val="visible"/>
+                                      </p:to>
+                                    </p:set>
+                                    <p:animEffect transition="in" filter="fade">
+                                      <p:cBhvr>
+                                        <p:cTn id="28" dur="250"/>
+                                        <p:tgtEl>
+                                          <p:spTgt spid="3">
+                                            <p:txEl>
+                                              <p:pRg st="5" end="5"/>
+                                            </p:txEl>
+                                          </p:spTgt>
+                                        </p:tgtEl>
+                                      </p:cBhvr>
+                                    </p:animEffect>
+                                  </p:childTnLst>
+                                </p:cTn>
+                              </p:par>
+                            </p:childTnLst>
+                          </p:cTn>
+                        </p:par>
+                      </p:childTnLst>
+                    </p:cTn>
+                  </p:par>
+                </p:childTnLst>
+              </p:cTn>
+              <p:prevCondLst>
+                <p:cond evt="onPrev" delay="0">
+                  <p:tgtEl>
+                    <p:sldTgt/>
+                  </p:tgtEl>
+                </p:cond>
+              </p:prevCondLst>
+              <p:nextCondLst>
+                <p:cond evt="onNext" delay="0">
+                  <p:tgtEl>
+                    <p:sldTgt/>
+                  </p:tgtEl>
+                </p:cond>
+              </p:nextCondLst>
+            </p:seq>
+          </p:childTnLst>
+        </p:cTn>
       </p:par>
     </p:tnLst>
   </p:timing>
@@ -3946,9 +4581,10 @@
               <a:buAutoNum type="arabicPeriod"/>
             </a:pPr>
             <a:r>
-              <a:rPr lang="fr-FR" dirty="0" smtClean="0"/>
-              <a:t>Conclusion</a:t>
-            </a:r>
+              <a:rPr lang="fr-FR" dirty="0" err="1" smtClean="0"/>
+              <a:t>Demonstration</a:t>
+            </a:r>
+            <a:endParaRPr lang="fr-FR" dirty="0" smtClean="0"/>
           </a:p>
           <a:p>
             <a:pPr marL="457200" indent="-457200">
@@ -3959,9 +4595,18 @@
               <a:buAutoNum type="arabicPeriod"/>
             </a:pPr>
             <a:r>
-              <a:rPr lang="fr-FR" dirty="0" err="1" smtClean="0"/>
-              <a:t>Demonstration</a:t>
-            </a:r>
+              <a:rPr lang="fr-FR" dirty="0"/>
+              <a:t>Conclusion</a:t>
+            </a:r>
+          </a:p>
+          <a:p>
+            <a:pPr marL="457200" indent="-457200">
+              <a:lnSpc>
+                <a:spcPct val="150000"/>
+              </a:lnSpc>
+              <a:buFont typeface="+mj-lt"/>
+              <a:buAutoNum type="arabicPeriod"/>
+            </a:pPr>
             <a:endParaRPr lang="fr-FR" dirty="0" smtClean="0"/>
           </a:p>
           <a:p>
@@ -3983,10 +4628,418 @@
   <p:clrMapOvr>
     <a:masterClrMapping/>
   </p:clrMapOvr>
+  <mc:AlternateContent xmlns:mc="http://schemas.openxmlformats.org/markup-compatibility/2006" xmlns:p14="http://schemas.microsoft.com/office/powerpoint/2010/main">
+    <mc:Choice Requires="p14">
+      <p:transition spd="med" p14:dur="700">
+        <p:fade/>
+      </p:transition>
+    </mc:Choice>
+    <mc:Fallback xmlns="">
+      <p:transition spd="med">
+        <p:fade/>
+      </p:transition>
+    </mc:Fallback>
+  </mc:AlternateContent>
   <p:timing>
     <p:tnLst>
       <p:par>
-        <p:cTn id="1" dur="indefinite" restart="never" nodeType="tmRoot"/>
+        <p:cTn id="1" dur="indefinite" restart="never" nodeType="tmRoot">
+          <p:childTnLst>
+            <p:seq concurrent="1" nextAc="seek">
+              <p:cTn id="2" dur="indefinite" nodeType="mainSeq">
+                <p:childTnLst>
+                  <p:par>
+                    <p:cTn id="3" fill="hold">
+                      <p:stCondLst>
+                        <p:cond delay="indefinite"/>
+                      </p:stCondLst>
+                      <p:childTnLst>
+                        <p:par>
+                          <p:cTn id="4" fill="hold">
+                            <p:stCondLst>
+                              <p:cond delay="0"/>
+                            </p:stCondLst>
+                            <p:childTnLst>
+                              <p:par>
+                                <p:cTn id="5" presetID="10" presetClass="entr" presetSubtype="0" fill="hold" nodeType="clickEffect">
+                                  <p:stCondLst>
+                                    <p:cond delay="0"/>
+                                  </p:stCondLst>
+                                  <p:childTnLst>
+                                    <p:set>
+                                      <p:cBhvr>
+                                        <p:cTn id="6" dur="1" fill="hold">
+                                          <p:stCondLst>
+                                            <p:cond delay="0"/>
+                                          </p:stCondLst>
+                                        </p:cTn>
+                                        <p:tgtEl>
+                                          <p:spTgt spid="3">
+                                            <p:txEl>
+                                              <p:pRg st="0" end="0"/>
+                                            </p:txEl>
+                                          </p:spTgt>
+                                        </p:tgtEl>
+                                        <p:attrNameLst>
+                                          <p:attrName>style.visibility</p:attrName>
+                                        </p:attrNameLst>
+                                      </p:cBhvr>
+                                      <p:to>
+                                        <p:strVal val="visible"/>
+                                      </p:to>
+                                    </p:set>
+                                    <p:animEffect transition="in" filter="fade">
+                                      <p:cBhvr>
+                                        <p:cTn id="7" dur="250"/>
+                                        <p:tgtEl>
+                                          <p:spTgt spid="3">
+                                            <p:txEl>
+                                              <p:pRg st="0" end="0"/>
+                                            </p:txEl>
+                                          </p:spTgt>
+                                        </p:tgtEl>
+                                      </p:cBhvr>
+                                    </p:animEffect>
+                                  </p:childTnLst>
+                                </p:cTn>
+                              </p:par>
+                              <p:par>
+                                <p:cTn id="8" presetID="10" presetClass="entr" presetSubtype="0" fill="hold" nodeType="withEffect">
+                                  <p:stCondLst>
+                                    <p:cond delay="0"/>
+                                  </p:stCondLst>
+                                  <p:childTnLst>
+                                    <p:set>
+                                      <p:cBhvr>
+                                        <p:cTn id="9" dur="1" fill="hold">
+                                          <p:stCondLst>
+                                            <p:cond delay="0"/>
+                                          </p:stCondLst>
+                                        </p:cTn>
+                                        <p:tgtEl>
+                                          <p:spTgt spid="3">
+                                            <p:txEl>
+                                              <p:pRg st="1" end="1"/>
+                                            </p:txEl>
+                                          </p:spTgt>
+                                        </p:tgtEl>
+                                        <p:attrNameLst>
+                                          <p:attrName>style.visibility</p:attrName>
+                                        </p:attrNameLst>
+                                      </p:cBhvr>
+                                      <p:to>
+                                        <p:strVal val="visible"/>
+                                      </p:to>
+                                    </p:set>
+                                    <p:animEffect transition="in" filter="fade">
+                                      <p:cBhvr>
+                                        <p:cTn id="10" dur="250"/>
+                                        <p:tgtEl>
+                                          <p:spTgt spid="3">
+                                            <p:txEl>
+                                              <p:pRg st="1" end="1"/>
+                                            </p:txEl>
+                                          </p:spTgt>
+                                        </p:tgtEl>
+                                      </p:cBhvr>
+                                    </p:animEffect>
+                                  </p:childTnLst>
+                                </p:cTn>
+                              </p:par>
+                              <p:par>
+                                <p:cTn id="11" presetID="10" presetClass="entr" presetSubtype="0" fill="hold" nodeType="withEffect">
+                                  <p:stCondLst>
+                                    <p:cond delay="0"/>
+                                  </p:stCondLst>
+                                  <p:childTnLst>
+                                    <p:set>
+                                      <p:cBhvr>
+                                        <p:cTn id="12" dur="1" fill="hold">
+                                          <p:stCondLst>
+                                            <p:cond delay="0"/>
+                                          </p:stCondLst>
+                                        </p:cTn>
+                                        <p:tgtEl>
+                                          <p:spTgt spid="3">
+                                            <p:txEl>
+                                              <p:pRg st="2" end="2"/>
+                                            </p:txEl>
+                                          </p:spTgt>
+                                        </p:tgtEl>
+                                        <p:attrNameLst>
+                                          <p:attrName>style.visibility</p:attrName>
+                                        </p:attrNameLst>
+                                      </p:cBhvr>
+                                      <p:to>
+                                        <p:strVal val="visible"/>
+                                      </p:to>
+                                    </p:set>
+                                    <p:animEffect transition="in" filter="fade">
+                                      <p:cBhvr>
+                                        <p:cTn id="13" dur="250"/>
+                                        <p:tgtEl>
+                                          <p:spTgt spid="3">
+                                            <p:txEl>
+                                              <p:pRg st="2" end="2"/>
+                                            </p:txEl>
+                                          </p:spTgt>
+                                        </p:tgtEl>
+                                      </p:cBhvr>
+                                    </p:animEffect>
+                                  </p:childTnLst>
+                                </p:cTn>
+                              </p:par>
+                              <p:par>
+                                <p:cTn id="14" presetID="10" presetClass="entr" presetSubtype="0" fill="hold" nodeType="withEffect">
+                                  <p:stCondLst>
+                                    <p:cond delay="0"/>
+                                  </p:stCondLst>
+                                  <p:childTnLst>
+                                    <p:set>
+                                      <p:cBhvr>
+                                        <p:cTn id="15" dur="1" fill="hold">
+                                          <p:stCondLst>
+                                            <p:cond delay="0"/>
+                                          </p:stCondLst>
+                                        </p:cTn>
+                                        <p:tgtEl>
+                                          <p:spTgt spid="3">
+                                            <p:txEl>
+                                              <p:pRg st="3" end="3"/>
+                                            </p:txEl>
+                                          </p:spTgt>
+                                        </p:tgtEl>
+                                        <p:attrNameLst>
+                                          <p:attrName>style.visibility</p:attrName>
+                                        </p:attrNameLst>
+                                      </p:cBhvr>
+                                      <p:to>
+                                        <p:strVal val="visible"/>
+                                      </p:to>
+                                    </p:set>
+                                    <p:animEffect transition="in" filter="fade">
+                                      <p:cBhvr>
+                                        <p:cTn id="16" dur="250"/>
+                                        <p:tgtEl>
+                                          <p:spTgt spid="3">
+                                            <p:txEl>
+                                              <p:pRg st="3" end="3"/>
+                                            </p:txEl>
+                                          </p:spTgt>
+                                        </p:tgtEl>
+                                      </p:cBhvr>
+                                    </p:animEffect>
+                                  </p:childTnLst>
+                                </p:cTn>
+                              </p:par>
+                            </p:childTnLst>
+                          </p:cTn>
+                        </p:par>
+                      </p:childTnLst>
+                    </p:cTn>
+                  </p:par>
+                  <p:par>
+                    <p:cTn id="17" fill="hold">
+                      <p:stCondLst>
+                        <p:cond delay="indefinite"/>
+                      </p:stCondLst>
+                      <p:childTnLst>
+                        <p:par>
+                          <p:cTn id="18" fill="hold">
+                            <p:stCondLst>
+                              <p:cond delay="0"/>
+                            </p:stCondLst>
+                            <p:childTnLst>
+                              <p:par>
+                                <p:cTn id="19" presetID="10" presetClass="entr" presetSubtype="0" fill="hold" nodeType="clickEffect">
+                                  <p:stCondLst>
+                                    <p:cond delay="0"/>
+                                  </p:stCondLst>
+                                  <p:childTnLst>
+                                    <p:set>
+                                      <p:cBhvr>
+                                        <p:cTn id="20" dur="1" fill="hold">
+                                          <p:stCondLst>
+                                            <p:cond delay="0"/>
+                                          </p:stCondLst>
+                                        </p:cTn>
+                                        <p:tgtEl>
+                                          <p:spTgt spid="3">
+                                            <p:txEl>
+                                              <p:pRg st="4" end="4"/>
+                                            </p:txEl>
+                                          </p:spTgt>
+                                        </p:tgtEl>
+                                        <p:attrNameLst>
+                                          <p:attrName>style.visibility</p:attrName>
+                                        </p:attrNameLst>
+                                      </p:cBhvr>
+                                      <p:to>
+                                        <p:strVal val="visible"/>
+                                      </p:to>
+                                    </p:set>
+                                    <p:animEffect transition="in" filter="fade">
+                                      <p:cBhvr>
+                                        <p:cTn id="21" dur="250"/>
+                                        <p:tgtEl>
+                                          <p:spTgt spid="3">
+                                            <p:txEl>
+                                              <p:pRg st="4" end="4"/>
+                                            </p:txEl>
+                                          </p:spTgt>
+                                        </p:tgtEl>
+                                      </p:cBhvr>
+                                    </p:animEffect>
+                                  </p:childTnLst>
+                                </p:cTn>
+                              </p:par>
+                            </p:childTnLst>
+                          </p:cTn>
+                        </p:par>
+                      </p:childTnLst>
+                    </p:cTn>
+                  </p:par>
+                  <p:par>
+                    <p:cTn id="22" fill="hold">
+                      <p:stCondLst>
+                        <p:cond delay="indefinite"/>
+                      </p:stCondLst>
+                      <p:childTnLst>
+                        <p:par>
+                          <p:cTn id="23" fill="hold">
+                            <p:stCondLst>
+                              <p:cond delay="0"/>
+                            </p:stCondLst>
+                            <p:childTnLst>
+                              <p:par>
+                                <p:cTn id="24" presetID="10" presetClass="entr" presetSubtype="0" fill="hold" nodeType="clickEffect">
+                                  <p:stCondLst>
+                                    <p:cond delay="0"/>
+                                  </p:stCondLst>
+                                  <p:childTnLst>
+                                    <p:set>
+                                      <p:cBhvr>
+                                        <p:cTn id="25" dur="1" fill="hold">
+                                          <p:stCondLst>
+                                            <p:cond delay="0"/>
+                                          </p:stCondLst>
+                                        </p:cTn>
+                                        <p:tgtEl>
+                                          <p:spTgt spid="3">
+                                            <p:txEl>
+                                              <p:pRg st="5" end="5"/>
+                                            </p:txEl>
+                                          </p:spTgt>
+                                        </p:tgtEl>
+                                        <p:attrNameLst>
+                                          <p:attrName>style.visibility</p:attrName>
+                                        </p:attrNameLst>
+                                      </p:cBhvr>
+                                      <p:to>
+                                        <p:strVal val="visible"/>
+                                      </p:to>
+                                    </p:set>
+                                    <p:animEffect transition="in" filter="fade">
+                                      <p:cBhvr>
+                                        <p:cTn id="26" dur="250"/>
+                                        <p:tgtEl>
+                                          <p:spTgt spid="3">
+                                            <p:txEl>
+                                              <p:pRg st="5" end="5"/>
+                                            </p:txEl>
+                                          </p:spTgt>
+                                        </p:tgtEl>
+                                      </p:cBhvr>
+                                    </p:animEffect>
+                                  </p:childTnLst>
+                                </p:cTn>
+                              </p:par>
+                            </p:childTnLst>
+                          </p:cTn>
+                        </p:par>
+                      </p:childTnLst>
+                    </p:cTn>
+                  </p:par>
+                  <p:par>
+                    <p:cTn id="27" fill="hold">
+                      <p:stCondLst>
+                        <p:cond delay="indefinite"/>
+                      </p:stCondLst>
+                      <p:childTnLst>
+                        <p:par>
+                          <p:cTn id="28" fill="hold">
+                            <p:stCondLst>
+                              <p:cond delay="0"/>
+                            </p:stCondLst>
+                            <p:childTnLst>
+                              <p:par>
+                                <p:cTn id="29" presetID="10" presetClass="entr" presetSubtype="0" fill="hold" nodeType="clickEffect">
+                                  <p:stCondLst>
+                                    <p:cond delay="0"/>
+                                  </p:stCondLst>
+                                  <p:childTnLst>
+                                    <p:set>
+                                      <p:cBhvr>
+                                        <p:cTn id="30" dur="1" fill="hold">
+                                          <p:stCondLst>
+                                            <p:cond delay="0"/>
+                                          </p:stCondLst>
+                                        </p:cTn>
+                                        <p:tgtEl>
+                                          <p:spTgt spid="3">
+                                            <p:txEl>
+                                              <p:pRg st="6" end="6"/>
+                                            </p:txEl>
+                                          </p:spTgt>
+                                        </p:tgtEl>
+                                        <p:attrNameLst>
+                                          <p:attrName>style.visibility</p:attrName>
+                                        </p:attrNameLst>
+                                      </p:cBhvr>
+                                      <p:to>
+                                        <p:strVal val="visible"/>
+                                      </p:to>
+                                    </p:set>
+                                    <p:animEffect transition="in" filter="fade">
+                                      <p:cBhvr>
+                                        <p:cTn id="31" dur="250"/>
+                                        <p:tgtEl>
+                                          <p:spTgt spid="3">
+                                            <p:txEl>
+                                              <p:pRg st="6" end="6"/>
+                                            </p:txEl>
+                                          </p:spTgt>
+                                        </p:tgtEl>
+                                      </p:cBhvr>
+                                    </p:animEffect>
+                                  </p:childTnLst>
+                                </p:cTn>
+                              </p:par>
+                            </p:childTnLst>
+                          </p:cTn>
+                        </p:par>
+                      </p:childTnLst>
+                    </p:cTn>
+                  </p:par>
+                </p:childTnLst>
+              </p:cTn>
+              <p:prevCondLst>
+                <p:cond evt="onPrev" delay="0">
+                  <p:tgtEl>
+                    <p:sldTgt/>
+                  </p:tgtEl>
+                </p:cond>
+              </p:prevCondLst>
+              <p:nextCondLst>
+                <p:cond evt="onNext" delay="0">
+                  <p:tgtEl>
+                    <p:sldTgt/>
+                  </p:tgtEl>
+                </p:cond>
+              </p:nextCondLst>
+            </p:seq>
+          </p:childTnLst>
+        </p:cTn>
       </p:par>
     </p:tnLst>
   </p:timing>
@@ -4387,10 +5440,333 @@
   <p:clrMapOvr>
     <a:masterClrMapping/>
   </p:clrMapOvr>
+  <mc:AlternateContent xmlns:mc="http://schemas.openxmlformats.org/markup-compatibility/2006" xmlns:p14="http://schemas.microsoft.com/office/powerpoint/2010/main">
+    <mc:Choice Requires="p14">
+      <p:transition spd="med" p14:dur="700">
+        <p:fade/>
+      </p:transition>
+    </mc:Choice>
+    <mc:Fallback xmlns="">
+      <p:transition spd="med">
+        <p:fade/>
+      </p:transition>
+    </mc:Fallback>
+  </mc:AlternateContent>
   <p:timing>
     <p:tnLst>
       <p:par>
-        <p:cTn id="1" dur="indefinite" restart="never" nodeType="tmRoot"/>
+        <p:cTn id="1" dur="indefinite" restart="never" nodeType="tmRoot">
+          <p:childTnLst>
+            <p:seq concurrent="1" nextAc="seek">
+              <p:cTn id="2" dur="indefinite" nodeType="mainSeq">
+                <p:childTnLst>
+                  <p:par>
+                    <p:cTn id="3" fill="hold">
+                      <p:stCondLst>
+                        <p:cond delay="indefinite"/>
+                      </p:stCondLst>
+                      <p:childTnLst>
+                        <p:par>
+                          <p:cTn id="4" fill="hold">
+                            <p:stCondLst>
+                              <p:cond delay="0"/>
+                            </p:stCondLst>
+                            <p:childTnLst>
+                              <p:par>
+                                <p:cTn id="5" presetID="10" presetClass="entr" presetSubtype="0" fill="hold" nodeType="clickEffect">
+                                  <p:stCondLst>
+                                    <p:cond delay="0"/>
+                                  </p:stCondLst>
+                                  <p:childTnLst>
+                                    <p:set>
+                                      <p:cBhvr>
+                                        <p:cTn id="6" dur="1" fill="hold">
+                                          <p:stCondLst>
+                                            <p:cond delay="0"/>
+                                          </p:stCondLst>
+                                        </p:cTn>
+                                        <p:tgtEl>
+                                          <p:spTgt spid="3">
+                                            <p:txEl>
+                                              <p:pRg st="2" end="2"/>
+                                            </p:txEl>
+                                          </p:spTgt>
+                                        </p:tgtEl>
+                                        <p:attrNameLst>
+                                          <p:attrName>style.visibility</p:attrName>
+                                        </p:attrNameLst>
+                                      </p:cBhvr>
+                                      <p:to>
+                                        <p:strVal val="visible"/>
+                                      </p:to>
+                                    </p:set>
+                                    <p:animEffect transition="in" filter="fade">
+                                      <p:cBhvr>
+                                        <p:cTn id="7" dur="250"/>
+                                        <p:tgtEl>
+                                          <p:spTgt spid="3">
+                                            <p:txEl>
+                                              <p:pRg st="2" end="2"/>
+                                            </p:txEl>
+                                          </p:spTgt>
+                                        </p:tgtEl>
+                                      </p:cBhvr>
+                                    </p:animEffect>
+                                  </p:childTnLst>
+                                </p:cTn>
+                              </p:par>
+                              <p:par>
+                                <p:cTn id="8" presetID="10" presetClass="entr" presetSubtype="0" fill="hold" nodeType="withEffect">
+                                  <p:stCondLst>
+                                    <p:cond delay="0"/>
+                                  </p:stCondLst>
+                                  <p:childTnLst>
+                                    <p:set>
+                                      <p:cBhvr>
+                                        <p:cTn id="9" dur="1" fill="hold">
+                                          <p:stCondLst>
+                                            <p:cond delay="0"/>
+                                          </p:stCondLst>
+                                        </p:cTn>
+                                        <p:tgtEl>
+                                          <p:spTgt spid="4"/>
+                                        </p:tgtEl>
+                                        <p:attrNameLst>
+                                          <p:attrName>style.visibility</p:attrName>
+                                        </p:attrNameLst>
+                                      </p:cBhvr>
+                                      <p:to>
+                                        <p:strVal val="visible"/>
+                                      </p:to>
+                                    </p:set>
+                                    <p:animEffect transition="in" filter="fade">
+                                      <p:cBhvr>
+                                        <p:cTn id="10" dur="250"/>
+                                        <p:tgtEl>
+                                          <p:spTgt spid="4"/>
+                                        </p:tgtEl>
+                                      </p:cBhvr>
+                                    </p:animEffect>
+                                  </p:childTnLst>
+                                </p:cTn>
+                              </p:par>
+                            </p:childTnLst>
+                          </p:cTn>
+                        </p:par>
+                      </p:childTnLst>
+                    </p:cTn>
+                  </p:par>
+                  <p:par>
+                    <p:cTn id="11" fill="hold">
+                      <p:stCondLst>
+                        <p:cond delay="indefinite"/>
+                      </p:stCondLst>
+                      <p:childTnLst>
+                        <p:par>
+                          <p:cTn id="12" fill="hold">
+                            <p:stCondLst>
+                              <p:cond delay="0"/>
+                            </p:stCondLst>
+                            <p:childTnLst>
+                              <p:par>
+                                <p:cTn id="13" presetID="10" presetClass="entr" presetSubtype="0" fill="hold" nodeType="clickEffect">
+                                  <p:stCondLst>
+                                    <p:cond delay="0"/>
+                                  </p:stCondLst>
+                                  <p:childTnLst>
+                                    <p:set>
+                                      <p:cBhvr>
+                                        <p:cTn id="14" dur="1" fill="hold">
+                                          <p:stCondLst>
+                                            <p:cond delay="0"/>
+                                          </p:stCondLst>
+                                        </p:cTn>
+                                        <p:tgtEl>
+                                          <p:spTgt spid="3">
+                                            <p:txEl>
+                                              <p:pRg st="3" end="3"/>
+                                            </p:txEl>
+                                          </p:spTgt>
+                                        </p:tgtEl>
+                                        <p:attrNameLst>
+                                          <p:attrName>style.visibility</p:attrName>
+                                        </p:attrNameLst>
+                                      </p:cBhvr>
+                                      <p:to>
+                                        <p:strVal val="visible"/>
+                                      </p:to>
+                                    </p:set>
+                                    <p:animEffect transition="in" filter="fade">
+                                      <p:cBhvr>
+                                        <p:cTn id="15" dur="250"/>
+                                        <p:tgtEl>
+                                          <p:spTgt spid="3">
+                                            <p:txEl>
+                                              <p:pRg st="3" end="3"/>
+                                            </p:txEl>
+                                          </p:spTgt>
+                                        </p:tgtEl>
+                                      </p:cBhvr>
+                                    </p:animEffect>
+                                  </p:childTnLst>
+                                </p:cTn>
+                              </p:par>
+                              <p:par>
+                                <p:cTn id="16" presetID="10" presetClass="entr" presetSubtype="0" fill="hold" nodeType="withEffect">
+                                  <p:stCondLst>
+                                    <p:cond delay="0"/>
+                                  </p:stCondLst>
+                                  <p:childTnLst>
+                                    <p:set>
+                                      <p:cBhvr>
+                                        <p:cTn id="17" dur="1" fill="hold">
+                                          <p:stCondLst>
+                                            <p:cond delay="0"/>
+                                          </p:stCondLst>
+                                        </p:cTn>
+                                        <p:tgtEl>
+                                          <p:spTgt spid="6"/>
+                                        </p:tgtEl>
+                                        <p:attrNameLst>
+                                          <p:attrName>style.visibility</p:attrName>
+                                        </p:attrNameLst>
+                                      </p:cBhvr>
+                                      <p:to>
+                                        <p:strVal val="visible"/>
+                                      </p:to>
+                                    </p:set>
+                                    <p:animEffect transition="in" filter="fade">
+                                      <p:cBhvr>
+                                        <p:cTn id="18" dur="250"/>
+                                        <p:tgtEl>
+                                          <p:spTgt spid="6"/>
+                                        </p:tgtEl>
+                                      </p:cBhvr>
+                                    </p:animEffect>
+                                  </p:childTnLst>
+                                </p:cTn>
+                              </p:par>
+                            </p:childTnLst>
+                          </p:cTn>
+                        </p:par>
+                      </p:childTnLst>
+                    </p:cTn>
+                  </p:par>
+                  <p:par>
+                    <p:cTn id="19" fill="hold">
+                      <p:stCondLst>
+                        <p:cond delay="indefinite"/>
+                      </p:stCondLst>
+                      <p:childTnLst>
+                        <p:par>
+                          <p:cTn id="20" fill="hold">
+                            <p:stCondLst>
+                              <p:cond delay="0"/>
+                            </p:stCondLst>
+                            <p:childTnLst>
+                              <p:par>
+                                <p:cTn id="21" presetID="10" presetClass="entr" presetSubtype="0" fill="hold" nodeType="clickEffect">
+                                  <p:stCondLst>
+                                    <p:cond delay="0"/>
+                                  </p:stCondLst>
+                                  <p:childTnLst>
+                                    <p:set>
+                                      <p:cBhvr>
+                                        <p:cTn id="22" dur="1" fill="hold">
+                                          <p:stCondLst>
+                                            <p:cond delay="0"/>
+                                          </p:stCondLst>
+                                        </p:cTn>
+                                        <p:tgtEl>
+                                          <p:spTgt spid="3">
+                                            <p:txEl>
+                                              <p:pRg st="4" end="4"/>
+                                            </p:txEl>
+                                          </p:spTgt>
+                                        </p:tgtEl>
+                                        <p:attrNameLst>
+                                          <p:attrName>style.visibility</p:attrName>
+                                        </p:attrNameLst>
+                                      </p:cBhvr>
+                                      <p:to>
+                                        <p:strVal val="visible"/>
+                                      </p:to>
+                                    </p:set>
+                                    <p:animEffect transition="in" filter="fade">
+                                      <p:cBhvr>
+                                        <p:cTn id="23" dur="250"/>
+                                        <p:tgtEl>
+                                          <p:spTgt spid="3">
+                                            <p:txEl>
+                                              <p:pRg st="4" end="4"/>
+                                            </p:txEl>
+                                          </p:spTgt>
+                                        </p:tgtEl>
+                                      </p:cBhvr>
+                                    </p:animEffect>
+                                  </p:childTnLst>
+                                </p:cTn>
+                              </p:par>
+                              <p:par>
+                                <p:cTn id="24" presetID="10" presetClass="entr" presetSubtype="0" fill="hold" nodeType="withEffect">
+                                  <p:stCondLst>
+                                    <p:cond delay="0"/>
+                                  </p:stCondLst>
+                                  <p:childTnLst>
+                                    <p:set>
+                                      <p:cBhvr>
+                                        <p:cTn id="25" dur="1" fill="hold">
+                                          <p:stCondLst>
+                                            <p:cond delay="0"/>
+                                          </p:stCondLst>
+                                        </p:cTn>
+                                        <p:tgtEl>
+                                          <p:spTgt spid="7"/>
+                                        </p:tgtEl>
+                                        <p:attrNameLst>
+                                          <p:attrName>style.visibility</p:attrName>
+                                        </p:attrNameLst>
+                                      </p:cBhvr>
+                                      <p:to>
+                                        <p:strVal val="visible"/>
+                                      </p:to>
+                                    </p:set>
+                                    <p:animEffect transition="in" filter="fade">
+                                      <p:cBhvr>
+                                        <p:cTn id="26" dur="250"/>
+                                        <p:tgtEl>
+                                          <p:spTgt spid="7"/>
+                                        </p:tgtEl>
+                                      </p:cBhvr>
+                                    </p:animEffect>
+                                  </p:childTnLst>
+                                </p:cTn>
+                              </p:par>
+                            </p:childTnLst>
+                          </p:cTn>
+                        </p:par>
+                      </p:childTnLst>
+                    </p:cTn>
+                  </p:par>
+                </p:childTnLst>
+              </p:cTn>
+              <p:prevCondLst>
+                <p:cond evt="onPrev" delay="0">
+                  <p:tgtEl>
+                    <p:sldTgt/>
+                  </p:tgtEl>
+                </p:cond>
+              </p:prevCondLst>
+              <p:nextCondLst>
+                <p:cond evt="onNext" delay="0">
+                  <p:tgtEl>
+                    <p:sldTgt/>
+                  </p:tgtEl>
+                </p:cond>
+              </p:nextCondLst>
+            </p:seq>
+          </p:childTnLst>
+        </p:cTn>
       </p:par>
     </p:tnLst>
   </p:timing>
@@ -4744,10 +6120,263 @@
   <p:clrMapOvr>
     <a:masterClrMapping/>
   </p:clrMapOvr>
+  <mc:AlternateContent xmlns:mc="http://schemas.openxmlformats.org/markup-compatibility/2006" xmlns:p14="http://schemas.microsoft.com/office/powerpoint/2010/main">
+    <mc:Choice Requires="p14">
+      <p:transition spd="med" p14:dur="700">
+        <p:fade/>
+      </p:transition>
+    </mc:Choice>
+    <mc:Fallback xmlns="">
+      <p:transition spd="med">
+        <p:fade/>
+      </p:transition>
+    </mc:Fallback>
+  </mc:AlternateContent>
   <p:timing>
     <p:tnLst>
       <p:par>
-        <p:cTn id="1" dur="indefinite" restart="never" nodeType="tmRoot"/>
+        <p:cTn id="1" dur="indefinite" restart="never" nodeType="tmRoot">
+          <p:childTnLst>
+            <p:seq concurrent="1" nextAc="seek">
+              <p:cTn id="2" dur="indefinite" nodeType="mainSeq">
+                <p:childTnLst>
+                  <p:par>
+                    <p:cTn id="3" fill="hold">
+                      <p:stCondLst>
+                        <p:cond delay="indefinite"/>
+                      </p:stCondLst>
+                      <p:childTnLst>
+                        <p:par>
+                          <p:cTn id="4" fill="hold">
+                            <p:stCondLst>
+                              <p:cond delay="0"/>
+                            </p:stCondLst>
+                            <p:childTnLst>
+                              <p:par>
+                                <p:cTn id="5" presetID="10" presetClass="entr" presetSubtype="0" fill="hold" nodeType="clickEffect">
+                                  <p:stCondLst>
+                                    <p:cond delay="0"/>
+                                  </p:stCondLst>
+                                  <p:childTnLst>
+                                    <p:set>
+                                      <p:cBhvr>
+                                        <p:cTn id="6" dur="1" fill="hold">
+                                          <p:stCondLst>
+                                            <p:cond delay="0"/>
+                                          </p:stCondLst>
+                                        </p:cTn>
+                                        <p:tgtEl>
+                                          <p:spTgt spid="3">
+                                            <p:txEl>
+                                              <p:pRg st="3" end="3"/>
+                                            </p:txEl>
+                                          </p:spTgt>
+                                        </p:tgtEl>
+                                        <p:attrNameLst>
+                                          <p:attrName>style.visibility</p:attrName>
+                                        </p:attrNameLst>
+                                      </p:cBhvr>
+                                      <p:to>
+                                        <p:strVal val="visible"/>
+                                      </p:to>
+                                    </p:set>
+                                    <p:animEffect transition="in" filter="fade">
+                                      <p:cBhvr>
+                                        <p:cTn id="7" dur="250"/>
+                                        <p:tgtEl>
+                                          <p:spTgt spid="3">
+                                            <p:txEl>
+                                              <p:pRg st="3" end="3"/>
+                                            </p:txEl>
+                                          </p:spTgt>
+                                        </p:tgtEl>
+                                      </p:cBhvr>
+                                    </p:animEffect>
+                                  </p:childTnLst>
+                                </p:cTn>
+                              </p:par>
+                              <p:par>
+                                <p:cTn id="8" presetID="10" presetClass="entr" presetSubtype="0" fill="hold" nodeType="withEffect">
+                                  <p:stCondLst>
+                                    <p:cond delay="0"/>
+                                  </p:stCondLst>
+                                  <p:childTnLst>
+                                    <p:set>
+                                      <p:cBhvr>
+                                        <p:cTn id="9" dur="1" fill="hold">
+                                          <p:stCondLst>
+                                            <p:cond delay="0"/>
+                                          </p:stCondLst>
+                                        </p:cTn>
+                                        <p:tgtEl>
+                                          <p:spTgt spid="5"/>
+                                        </p:tgtEl>
+                                        <p:attrNameLst>
+                                          <p:attrName>style.visibility</p:attrName>
+                                        </p:attrNameLst>
+                                      </p:cBhvr>
+                                      <p:to>
+                                        <p:strVal val="visible"/>
+                                      </p:to>
+                                    </p:set>
+                                    <p:animEffect transition="in" filter="fade">
+                                      <p:cBhvr>
+                                        <p:cTn id="10" dur="250"/>
+                                        <p:tgtEl>
+                                          <p:spTgt spid="5"/>
+                                        </p:tgtEl>
+                                      </p:cBhvr>
+                                    </p:animEffect>
+                                  </p:childTnLst>
+                                </p:cTn>
+                              </p:par>
+                            </p:childTnLst>
+                          </p:cTn>
+                        </p:par>
+                      </p:childTnLst>
+                    </p:cTn>
+                  </p:par>
+                  <p:par>
+                    <p:cTn id="11" fill="hold">
+                      <p:stCondLst>
+                        <p:cond delay="indefinite"/>
+                      </p:stCondLst>
+                      <p:childTnLst>
+                        <p:par>
+                          <p:cTn id="12" fill="hold">
+                            <p:stCondLst>
+                              <p:cond delay="0"/>
+                            </p:stCondLst>
+                            <p:childTnLst>
+                              <p:par>
+                                <p:cTn id="13" presetID="10" presetClass="entr" presetSubtype="0" fill="hold" nodeType="clickEffect">
+                                  <p:stCondLst>
+                                    <p:cond delay="0"/>
+                                  </p:stCondLst>
+                                  <p:childTnLst>
+                                    <p:set>
+                                      <p:cBhvr>
+                                        <p:cTn id="14" dur="1" fill="hold">
+                                          <p:stCondLst>
+                                            <p:cond delay="0"/>
+                                          </p:stCondLst>
+                                        </p:cTn>
+                                        <p:tgtEl>
+                                          <p:spTgt spid="3">
+                                            <p:txEl>
+                                              <p:pRg st="4" end="4"/>
+                                            </p:txEl>
+                                          </p:spTgt>
+                                        </p:tgtEl>
+                                        <p:attrNameLst>
+                                          <p:attrName>style.visibility</p:attrName>
+                                        </p:attrNameLst>
+                                      </p:cBhvr>
+                                      <p:to>
+                                        <p:strVal val="visible"/>
+                                      </p:to>
+                                    </p:set>
+                                    <p:animEffect transition="in" filter="fade">
+                                      <p:cBhvr>
+                                        <p:cTn id="15" dur="250"/>
+                                        <p:tgtEl>
+                                          <p:spTgt spid="3">
+                                            <p:txEl>
+                                              <p:pRg st="4" end="4"/>
+                                            </p:txEl>
+                                          </p:spTgt>
+                                        </p:tgtEl>
+                                      </p:cBhvr>
+                                    </p:animEffect>
+                                  </p:childTnLst>
+                                </p:cTn>
+                              </p:par>
+                            </p:childTnLst>
+                          </p:cTn>
+                        </p:par>
+                      </p:childTnLst>
+                    </p:cTn>
+                  </p:par>
+                  <p:par>
+                    <p:cTn id="16" fill="hold">
+                      <p:stCondLst>
+                        <p:cond delay="indefinite"/>
+                      </p:stCondLst>
+                      <p:childTnLst>
+                        <p:par>
+                          <p:cTn id="17" fill="hold">
+                            <p:stCondLst>
+                              <p:cond delay="0"/>
+                            </p:stCondLst>
+                            <p:childTnLst>
+                              <p:par>
+                                <p:cTn id="18" presetID="10" presetClass="entr" presetSubtype="0" fill="hold" nodeType="clickEffect">
+                                  <p:stCondLst>
+                                    <p:cond delay="0"/>
+                                  </p:stCondLst>
+                                  <p:childTnLst>
+                                    <p:set>
+                                      <p:cBhvr>
+                                        <p:cTn id="19" dur="1" fill="hold">
+                                          <p:stCondLst>
+                                            <p:cond delay="0"/>
+                                          </p:stCondLst>
+                                        </p:cTn>
+                                        <p:tgtEl>
+                                          <p:spTgt spid="3">
+                                            <p:txEl>
+                                              <p:pRg st="5" end="5"/>
+                                            </p:txEl>
+                                          </p:spTgt>
+                                        </p:tgtEl>
+                                        <p:attrNameLst>
+                                          <p:attrName>style.visibility</p:attrName>
+                                        </p:attrNameLst>
+                                      </p:cBhvr>
+                                      <p:to>
+                                        <p:strVal val="visible"/>
+                                      </p:to>
+                                    </p:set>
+                                    <p:animEffect transition="in" filter="fade">
+                                      <p:cBhvr>
+                                        <p:cTn id="20" dur="250"/>
+                                        <p:tgtEl>
+                                          <p:spTgt spid="3">
+                                            <p:txEl>
+                                              <p:pRg st="5" end="5"/>
+                                            </p:txEl>
+                                          </p:spTgt>
+                                        </p:tgtEl>
+                                      </p:cBhvr>
+                                    </p:animEffect>
+                                  </p:childTnLst>
+                                </p:cTn>
+                              </p:par>
+                            </p:childTnLst>
+                          </p:cTn>
+                        </p:par>
+                      </p:childTnLst>
+                    </p:cTn>
+                  </p:par>
+                </p:childTnLst>
+              </p:cTn>
+              <p:prevCondLst>
+                <p:cond evt="onPrev" delay="0">
+                  <p:tgtEl>
+                    <p:sldTgt/>
+                  </p:tgtEl>
+                </p:cond>
+              </p:prevCondLst>
+              <p:nextCondLst>
+                <p:cond evt="onNext" delay="0">
+                  <p:tgtEl>
+                    <p:sldTgt/>
+                  </p:tgtEl>
+                </p:cond>
+              </p:nextCondLst>
+            </p:seq>
+          </p:childTnLst>
+        </p:cTn>
       </p:par>
     </p:tnLst>
   </p:timing>
@@ -4834,15 +6463,7 @@
             </a:pPr>
             <a:r>
               <a:rPr lang="fr-FR" sz="2800" spc="300" dirty="0" smtClean="0"/>
-              <a:t>For </a:t>
-            </a:r>
-            <a:r>
-              <a:rPr lang="fr-FR" sz="2800" spc="300" dirty="0" err="1" smtClean="0"/>
-              <a:t>having</a:t>
-            </a:r>
-            <a:r>
-              <a:rPr lang="fr-FR" sz="2800" spc="300" dirty="0" smtClean="0"/>
-              <a:t> a basic </a:t>
+              <a:t>To have a basic </a:t>
             </a:r>
             <a:r>
               <a:rPr lang="fr-FR" sz="2800" spc="300" dirty="0" err="1" smtClean="0"/>
@@ -5020,10 +6641,228 @@
   <p:clrMapOvr>
     <a:masterClrMapping/>
   </p:clrMapOvr>
+  <mc:AlternateContent xmlns:mc="http://schemas.openxmlformats.org/markup-compatibility/2006" xmlns:p14="http://schemas.microsoft.com/office/powerpoint/2010/main">
+    <mc:Choice Requires="p14">
+      <p:transition spd="med" p14:dur="700">
+        <p:fade/>
+      </p:transition>
+    </mc:Choice>
+    <mc:Fallback xmlns="">
+      <p:transition spd="med">
+        <p:fade/>
+      </p:transition>
+    </mc:Fallback>
+  </mc:AlternateContent>
   <p:timing>
     <p:tnLst>
       <p:par>
-        <p:cTn id="1" dur="indefinite" restart="never" nodeType="tmRoot"/>
+        <p:cTn id="1" dur="indefinite" restart="never" nodeType="tmRoot">
+          <p:childTnLst>
+            <p:seq concurrent="1" nextAc="seek">
+              <p:cTn id="2" dur="indefinite" nodeType="mainSeq">
+                <p:childTnLst>
+                  <p:par>
+                    <p:cTn id="3" fill="hold">
+                      <p:stCondLst>
+                        <p:cond delay="indefinite"/>
+                      </p:stCondLst>
+                      <p:childTnLst>
+                        <p:par>
+                          <p:cTn id="4" fill="hold">
+                            <p:stCondLst>
+                              <p:cond delay="0"/>
+                            </p:stCondLst>
+                            <p:childTnLst>
+                              <p:par>
+                                <p:cTn id="5" presetID="10" presetClass="entr" presetSubtype="0" fill="hold" nodeType="clickEffect">
+                                  <p:stCondLst>
+                                    <p:cond delay="0"/>
+                                  </p:stCondLst>
+                                  <p:childTnLst>
+                                    <p:set>
+                                      <p:cBhvr>
+                                        <p:cTn id="6" dur="1" fill="hold">
+                                          <p:stCondLst>
+                                            <p:cond delay="0"/>
+                                          </p:stCondLst>
+                                        </p:cTn>
+                                        <p:tgtEl>
+                                          <p:spTgt spid="3">
+                                            <p:txEl>
+                                              <p:pRg st="2" end="2"/>
+                                            </p:txEl>
+                                          </p:spTgt>
+                                        </p:tgtEl>
+                                        <p:attrNameLst>
+                                          <p:attrName>style.visibility</p:attrName>
+                                        </p:attrNameLst>
+                                      </p:cBhvr>
+                                      <p:to>
+                                        <p:strVal val="visible"/>
+                                      </p:to>
+                                    </p:set>
+                                    <p:animEffect transition="in" filter="fade">
+                                      <p:cBhvr>
+                                        <p:cTn id="7" dur="250"/>
+                                        <p:tgtEl>
+                                          <p:spTgt spid="3">
+                                            <p:txEl>
+                                              <p:pRg st="2" end="2"/>
+                                            </p:txEl>
+                                          </p:spTgt>
+                                        </p:tgtEl>
+                                      </p:cBhvr>
+                                    </p:animEffect>
+                                  </p:childTnLst>
+                                </p:cTn>
+                              </p:par>
+                            </p:childTnLst>
+                          </p:cTn>
+                        </p:par>
+                      </p:childTnLst>
+                    </p:cTn>
+                  </p:par>
+                  <p:par>
+                    <p:cTn id="8" fill="hold">
+                      <p:stCondLst>
+                        <p:cond delay="indefinite"/>
+                      </p:stCondLst>
+                      <p:childTnLst>
+                        <p:par>
+                          <p:cTn id="9" fill="hold">
+                            <p:stCondLst>
+                              <p:cond delay="0"/>
+                            </p:stCondLst>
+                            <p:childTnLst>
+                              <p:par>
+                                <p:cTn id="10" presetID="10" presetClass="entr" presetSubtype="0" fill="hold" nodeType="clickEffect">
+                                  <p:stCondLst>
+                                    <p:cond delay="0"/>
+                                  </p:stCondLst>
+                                  <p:childTnLst>
+                                    <p:set>
+                                      <p:cBhvr>
+                                        <p:cTn id="11" dur="1" fill="hold">
+                                          <p:stCondLst>
+                                            <p:cond delay="0"/>
+                                          </p:stCondLst>
+                                        </p:cTn>
+                                        <p:tgtEl>
+                                          <p:spTgt spid="3">
+                                            <p:txEl>
+                                              <p:pRg st="3" end="3"/>
+                                            </p:txEl>
+                                          </p:spTgt>
+                                        </p:tgtEl>
+                                        <p:attrNameLst>
+                                          <p:attrName>style.visibility</p:attrName>
+                                        </p:attrNameLst>
+                                      </p:cBhvr>
+                                      <p:to>
+                                        <p:strVal val="visible"/>
+                                      </p:to>
+                                    </p:set>
+                                    <p:animEffect transition="in" filter="fade">
+                                      <p:cBhvr>
+                                        <p:cTn id="12" dur="250"/>
+                                        <p:tgtEl>
+                                          <p:spTgt spid="3">
+                                            <p:txEl>
+                                              <p:pRg st="3" end="3"/>
+                                            </p:txEl>
+                                          </p:spTgt>
+                                        </p:tgtEl>
+                                      </p:cBhvr>
+                                    </p:animEffect>
+                                  </p:childTnLst>
+                                </p:cTn>
+                              </p:par>
+                            </p:childTnLst>
+                          </p:cTn>
+                        </p:par>
+                      </p:childTnLst>
+                    </p:cTn>
+                  </p:par>
+                  <p:par>
+                    <p:cTn id="13" fill="hold">
+                      <p:stCondLst>
+                        <p:cond delay="indefinite"/>
+                      </p:stCondLst>
+                      <p:childTnLst>
+                        <p:par>
+                          <p:cTn id="14" fill="hold">
+                            <p:stCondLst>
+                              <p:cond delay="0"/>
+                            </p:stCondLst>
+                            <p:childTnLst>
+                              <p:par>
+                                <p:cTn id="15" presetID="10" presetClass="entr" presetSubtype="0" fill="hold" nodeType="clickEffect">
+                                  <p:stCondLst>
+                                    <p:cond delay="0"/>
+                                  </p:stCondLst>
+                                  <p:childTnLst>
+                                    <p:set>
+                                      <p:cBhvr>
+                                        <p:cTn id="16" dur="1" fill="hold">
+                                          <p:stCondLst>
+                                            <p:cond delay="0"/>
+                                          </p:stCondLst>
+                                        </p:cTn>
+                                        <p:tgtEl>
+                                          <p:spTgt spid="3">
+                                            <p:txEl>
+                                              <p:pRg st="4" end="4"/>
+                                            </p:txEl>
+                                          </p:spTgt>
+                                        </p:tgtEl>
+                                        <p:attrNameLst>
+                                          <p:attrName>style.visibility</p:attrName>
+                                        </p:attrNameLst>
+                                      </p:cBhvr>
+                                      <p:to>
+                                        <p:strVal val="visible"/>
+                                      </p:to>
+                                    </p:set>
+                                    <p:animEffect transition="in" filter="fade">
+                                      <p:cBhvr>
+                                        <p:cTn id="17" dur="250"/>
+                                        <p:tgtEl>
+                                          <p:spTgt spid="3">
+                                            <p:txEl>
+                                              <p:pRg st="4" end="4"/>
+                                            </p:txEl>
+                                          </p:spTgt>
+                                        </p:tgtEl>
+                                      </p:cBhvr>
+                                    </p:animEffect>
+                                  </p:childTnLst>
+                                </p:cTn>
+                              </p:par>
+                            </p:childTnLst>
+                          </p:cTn>
+                        </p:par>
+                      </p:childTnLst>
+                    </p:cTn>
+                  </p:par>
+                </p:childTnLst>
+              </p:cTn>
+              <p:prevCondLst>
+                <p:cond evt="onPrev" delay="0">
+                  <p:tgtEl>
+                    <p:sldTgt/>
+                  </p:tgtEl>
+                </p:cond>
+              </p:prevCondLst>
+              <p:nextCondLst>
+                <p:cond evt="onNext" delay="0">
+                  <p:tgtEl>
+                    <p:sldTgt/>
+                  </p:tgtEl>
+                </p:cond>
+              </p:nextCondLst>
+            </p:seq>
+          </p:childTnLst>
+        </p:cTn>
       </p:par>
     </p:tnLst>
   </p:timing>
@@ -5116,7 +6955,58 @@
               <a:buFont typeface=".AppleSystemUIFont" charset="-120"/>
               <a:buChar char="-"/>
             </a:pPr>
-            <a:endParaRPr lang="fr-FR" spc="300" dirty="0"/>
+            <a:r>
+              <a:rPr lang="fr-FR" dirty="0" smtClean="0"/>
+              <a:t> </a:t>
+            </a:r>
+            <a:r>
+              <a:rPr lang="fr-FR" dirty="0" err="1" smtClean="0"/>
+              <a:t>We</a:t>
+            </a:r>
+            <a:r>
+              <a:rPr lang="fr-FR" dirty="0" smtClean="0"/>
+              <a:t> have </a:t>
+            </a:r>
+            <a:r>
+              <a:rPr lang="fr-FR" dirty="0" err="1" smtClean="0"/>
+              <a:t>used</a:t>
+            </a:r>
+            <a:r>
+              <a:rPr lang="fr-FR" dirty="0" smtClean="0"/>
+              <a:t> </a:t>
+            </a:r>
+            <a:r>
+              <a:rPr lang="fr-FR" dirty="0"/>
+              <a:t>HTML, CSS, </a:t>
+            </a:r>
+            <a:r>
+              <a:rPr lang="fr-FR" dirty="0" smtClean="0"/>
+              <a:t>JavaScript : </a:t>
+            </a:r>
+            <a:r>
+              <a:rPr lang="fr-FR" dirty="0" err="1" smtClean="0"/>
+              <a:t>it</a:t>
+            </a:r>
+            <a:r>
+              <a:rPr lang="fr-FR" dirty="0" smtClean="0"/>
+              <a:t> </a:t>
+            </a:r>
+            <a:r>
+              <a:rPr lang="fr-FR" dirty="0" err="1" smtClean="0"/>
+              <a:t>is</a:t>
+            </a:r>
+            <a:r>
+              <a:rPr lang="fr-FR" dirty="0" smtClean="0"/>
+              <a:t> </a:t>
+            </a:r>
+            <a:r>
+              <a:rPr lang="fr-FR" dirty="0" err="1" smtClean="0"/>
+              <a:t>easy</a:t>
+            </a:r>
+            <a:r>
+              <a:rPr lang="fr-FR" dirty="0" smtClean="0"/>
+              <a:t> to use</a:t>
+            </a:r>
           </a:p>
           <a:p>
             <a:pPr>
@@ -5128,67 +7018,6 @@
             </a:pPr>
             <a:r>
               <a:rPr lang="fr-FR" dirty="0" smtClean="0"/>
-              <a:t> </a:t>
-            </a:r>
-            <a:r>
-              <a:rPr lang="fr-FR" dirty="0" err="1" smtClean="0"/>
-              <a:t>We</a:t>
-            </a:r>
-            <a:r>
-              <a:rPr lang="fr-FR" dirty="0" smtClean="0"/>
-              <a:t> have </a:t>
-            </a:r>
-            <a:r>
-              <a:rPr lang="fr-FR" dirty="0" err="1" smtClean="0"/>
-              <a:t>used</a:t>
-            </a:r>
-            <a:r>
-              <a:rPr lang="fr-FR" dirty="0" smtClean="0"/>
-              <a:t> </a:t>
-            </a:r>
-            <a:r>
-              <a:rPr lang="fr-FR" dirty="0"/>
-              <a:t>HTML, CSS, </a:t>
-            </a:r>
-            <a:r>
-              <a:rPr lang="fr-FR" dirty="0" smtClean="0"/>
-              <a:t>JavaScript : </a:t>
-            </a:r>
-            <a:r>
-              <a:rPr lang="fr-FR" dirty="0" err="1" smtClean="0"/>
-              <a:t>it</a:t>
-            </a:r>
-            <a:r>
-              <a:rPr lang="fr-FR" dirty="0" smtClean="0"/>
-              <a:t> </a:t>
-            </a:r>
-            <a:r>
-              <a:rPr lang="fr-FR" dirty="0" err="1" smtClean="0"/>
-              <a:t>is</a:t>
-            </a:r>
-            <a:r>
-              <a:rPr lang="fr-FR" dirty="0" smtClean="0"/>
-              <a:t> </a:t>
-            </a:r>
-            <a:r>
-              <a:rPr lang="fr-FR" dirty="0" err="1" smtClean="0"/>
-              <a:t>easy</a:t>
-            </a:r>
-            <a:r>
-              <a:rPr lang="fr-FR" dirty="0" smtClean="0"/>
-              <a:t> to use</a:t>
-            </a:r>
-          </a:p>
-          <a:p>
-            <a:pPr>
-              <a:lnSpc>
-                <a:spcPct val="150000"/>
-              </a:lnSpc>
-              <a:buFont typeface=".AppleSystemUIFont" charset="-120"/>
-              <a:buChar char="-"/>
-            </a:pPr>
-            <a:r>
-              <a:rPr lang="fr-FR" dirty="0" smtClean="0"/>
               <a:t> To </a:t>
             </a:r>
             <a:r>
@@ -5249,26 +7078,17 @@
               <a:buChar char="-"/>
             </a:pPr>
             <a:r>
-              <a:rPr lang="fr-FR" dirty="0" err="1" smtClean="0"/>
-              <a:t>After</a:t>
-            </a:r>
-            <a:r>
-              <a:rPr lang="fr-FR" dirty="0" smtClean="0"/>
-              <a:t> 3 tries the solution </a:t>
-            </a:r>
-            <a:r>
-              <a:rPr lang="fr-FR" dirty="0" err="1" smtClean="0"/>
-              <a:t>button</a:t>
-            </a:r>
-            <a:r>
-              <a:rPr lang="fr-FR" dirty="0" smtClean="0"/>
-              <a:t> </a:t>
-            </a:r>
-            <a:r>
-              <a:rPr lang="fr-FR" dirty="0" err="1" smtClean="0"/>
-              <a:t>appears</a:t>
-            </a:r>
-            <a:endParaRPr lang="fr-FR" dirty="0"/>
+              <a:rPr lang="fr-FR" dirty="0" err="1"/>
+              <a:t>Statistics</a:t>
+            </a:r>
+            <a:r>
+              <a:rPr lang="fr-FR" dirty="0"/>
+              <a:t> for </a:t>
+            </a:r>
+            <a:r>
+              <a:rPr lang="fr-FR" dirty="0" smtClean="0"/>
+              <a:t>progression</a:t>
+            </a:r>
           </a:p>
           <a:p>
             <a:pPr lvl="1">
@@ -5280,12 +7100,25 @@
             </a:pPr>
             <a:r>
               <a:rPr lang="fr-FR" dirty="0" err="1" smtClean="0"/>
-              <a:t>Statistics</a:t>
-            </a:r>
-            <a:r>
-              <a:rPr lang="fr-FR" dirty="0" smtClean="0"/>
-              <a:t> for progression</a:t>
-            </a:r>
+              <a:t>After</a:t>
+            </a:r>
+            <a:r>
+              <a:rPr lang="fr-FR" dirty="0" smtClean="0"/>
+              <a:t> 3 tries the solution </a:t>
+            </a:r>
+            <a:r>
+              <a:rPr lang="fr-FR" dirty="0" err="1" smtClean="0"/>
+              <a:t>button</a:t>
+            </a:r>
+            <a:r>
+              <a:rPr lang="fr-FR" dirty="0" smtClean="0"/>
+              <a:t> </a:t>
+            </a:r>
+            <a:r>
+              <a:rPr lang="fr-FR" dirty="0" err="1" smtClean="0"/>
+              <a:t>appears</a:t>
+            </a:r>
+            <a:endParaRPr lang="fr-FR" dirty="0"/>
           </a:p>
           <a:p>
             <a:pPr>
@@ -5361,10 +7194,314 @@
   <p:clrMapOvr>
     <a:masterClrMapping/>
   </p:clrMapOvr>
+  <mc:AlternateContent xmlns:mc="http://schemas.openxmlformats.org/markup-compatibility/2006" xmlns:p14="http://schemas.microsoft.com/office/powerpoint/2010/main">
+    <mc:Choice Requires="p14">
+      <p:transition spd="med" p14:dur="700">
+        <p:fade/>
+      </p:transition>
+    </mc:Choice>
+    <mc:Fallback xmlns="">
+      <p:transition spd="med">
+        <p:fade/>
+      </p:transition>
+    </mc:Fallback>
+  </mc:AlternateContent>
   <p:timing>
     <p:tnLst>
       <p:par>
-        <p:cTn id="1" dur="indefinite" restart="never" nodeType="tmRoot"/>
+        <p:cTn id="1" dur="indefinite" restart="never" nodeType="tmRoot">
+          <p:childTnLst>
+            <p:seq concurrent="1" nextAc="seek">
+              <p:cTn id="2" dur="indefinite" nodeType="mainSeq">
+                <p:childTnLst>
+                  <p:par>
+                    <p:cTn id="3" fill="hold">
+                      <p:stCondLst>
+                        <p:cond delay="indefinite"/>
+                      </p:stCondLst>
+                      <p:childTnLst>
+                        <p:par>
+                          <p:cTn id="4" fill="hold">
+                            <p:stCondLst>
+                              <p:cond delay="0"/>
+                            </p:stCondLst>
+                            <p:childTnLst>
+                              <p:par>
+                                <p:cTn id="5" presetID="10" presetClass="entr" presetSubtype="0" fill="hold" nodeType="clickEffect">
+                                  <p:stCondLst>
+                                    <p:cond delay="0"/>
+                                  </p:stCondLst>
+                                  <p:childTnLst>
+                                    <p:set>
+                                      <p:cBhvr>
+                                        <p:cTn id="6" dur="1" fill="hold">
+                                          <p:stCondLst>
+                                            <p:cond delay="0"/>
+                                          </p:stCondLst>
+                                        </p:cTn>
+                                        <p:tgtEl>
+                                          <p:spTgt spid="3">
+                                            <p:txEl>
+                                              <p:pRg st="0" end="0"/>
+                                            </p:txEl>
+                                          </p:spTgt>
+                                        </p:tgtEl>
+                                        <p:attrNameLst>
+                                          <p:attrName>style.visibility</p:attrName>
+                                        </p:attrNameLst>
+                                      </p:cBhvr>
+                                      <p:to>
+                                        <p:strVal val="visible"/>
+                                      </p:to>
+                                    </p:set>
+                                    <p:animEffect transition="in" filter="fade">
+                                      <p:cBhvr>
+                                        <p:cTn id="7" dur="250"/>
+                                        <p:tgtEl>
+                                          <p:spTgt spid="3">
+                                            <p:txEl>
+                                              <p:pRg st="0" end="0"/>
+                                            </p:txEl>
+                                          </p:spTgt>
+                                        </p:tgtEl>
+                                      </p:cBhvr>
+                                    </p:animEffect>
+                                  </p:childTnLst>
+                                </p:cTn>
+                              </p:par>
+                            </p:childTnLst>
+                          </p:cTn>
+                        </p:par>
+                      </p:childTnLst>
+                    </p:cTn>
+                  </p:par>
+                  <p:par>
+                    <p:cTn id="8" fill="hold">
+                      <p:stCondLst>
+                        <p:cond delay="indefinite"/>
+                      </p:stCondLst>
+                      <p:childTnLst>
+                        <p:par>
+                          <p:cTn id="9" fill="hold">
+                            <p:stCondLst>
+                              <p:cond delay="0"/>
+                            </p:stCondLst>
+                            <p:childTnLst>
+                              <p:par>
+                                <p:cTn id="10" presetID="10" presetClass="entr" presetSubtype="0" fill="hold" nodeType="clickEffect">
+                                  <p:stCondLst>
+                                    <p:cond delay="0"/>
+                                  </p:stCondLst>
+                                  <p:childTnLst>
+                                    <p:set>
+                                      <p:cBhvr>
+                                        <p:cTn id="11" dur="1" fill="hold">
+                                          <p:stCondLst>
+                                            <p:cond delay="0"/>
+                                          </p:stCondLst>
+                                        </p:cTn>
+                                        <p:tgtEl>
+                                          <p:spTgt spid="3">
+                                            <p:txEl>
+                                              <p:pRg st="1" end="1"/>
+                                            </p:txEl>
+                                          </p:spTgt>
+                                        </p:tgtEl>
+                                        <p:attrNameLst>
+                                          <p:attrName>style.visibility</p:attrName>
+                                        </p:attrNameLst>
+                                      </p:cBhvr>
+                                      <p:to>
+                                        <p:strVal val="visible"/>
+                                      </p:to>
+                                    </p:set>
+                                    <p:animEffect transition="in" filter="fade">
+                                      <p:cBhvr>
+                                        <p:cTn id="12" dur="250"/>
+                                        <p:tgtEl>
+                                          <p:spTgt spid="3">
+                                            <p:txEl>
+                                              <p:pRg st="1" end="1"/>
+                                            </p:txEl>
+                                          </p:spTgt>
+                                        </p:tgtEl>
+                                      </p:cBhvr>
+                                    </p:animEffect>
+                                  </p:childTnLst>
+                                </p:cTn>
+                              </p:par>
+                              <p:par>
+                                <p:cTn id="13" presetID="10" presetClass="entr" presetSubtype="0" fill="hold" nodeType="withEffect">
+                                  <p:stCondLst>
+                                    <p:cond delay="0"/>
+                                  </p:stCondLst>
+                                  <p:childTnLst>
+                                    <p:set>
+                                      <p:cBhvr>
+                                        <p:cTn id="14" dur="1" fill="hold">
+                                          <p:stCondLst>
+                                            <p:cond delay="0"/>
+                                          </p:stCondLst>
+                                        </p:cTn>
+                                        <p:tgtEl>
+                                          <p:spTgt spid="3">
+                                            <p:txEl>
+                                              <p:pRg st="2" end="2"/>
+                                            </p:txEl>
+                                          </p:spTgt>
+                                        </p:tgtEl>
+                                        <p:attrNameLst>
+                                          <p:attrName>style.visibility</p:attrName>
+                                        </p:attrNameLst>
+                                      </p:cBhvr>
+                                      <p:to>
+                                        <p:strVal val="visible"/>
+                                      </p:to>
+                                    </p:set>
+                                    <p:animEffect transition="in" filter="fade">
+                                      <p:cBhvr>
+                                        <p:cTn id="15" dur="250"/>
+                                        <p:tgtEl>
+                                          <p:spTgt spid="3">
+                                            <p:txEl>
+                                              <p:pRg st="2" end="2"/>
+                                            </p:txEl>
+                                          </p:spTgt>
+                                        </p:tgtEl>
+                                      </p:cBhvr>
+                                    </p:animEffect>
+                                  </p:childTnLst>
+                                </p:cTn>
+                              </p:par>
+                              <p:par>
+                                <p:cTn id="16" presetID="10" presetClass="entr" presetSubtype="0" fill="hold" nodeType="withEffect">
+                                  <p:stCondLst>
+                                    <p:cond delay="0"/>
+                                  </p:stCondLst>
+                                  <p:childTnLst>
+                                    <p:set>
+                                      <p:cBhvr>
+                                        <p:cTn id="17" dur="1" fill="hold">
+                                          <p:stCondLst>
+                                            <p:cond delay="0"/>
+                                          </p:stCondLst>
+                                        </p:cTn>
+                                        <p:tgtEl>
+                                          <p:spTgt spid="3">
+                                            <p:txEl>
+                                              <p:pRg st="3" end="3"/>
+                                            </p:txEl>
+                                          </p:spTgt>
+                                        </p:tgtEl>
+                                        <p:attrNameLst>
+                                          <p:attrName>style.visibility</p:attrName>
+                                        </p:attrNameLst>
+                                      </p:cBhvr>
+                                      <p:to>
+                                        <p:strVal val="visible"/>
+                                      </p:to>
+                                    </p:set>
+                                    <p:animEffect transition="in" filter="fade">
+                                      <p:cBhvr>
+                                        <p:cTn id="18" dur="250"/>
+                                        <p:tgtEl>
+                                          <p:spTgt spid="3">
+                                            <p:txEl>
+                                              <p:pRg st="3" end="3"/>
+                                            </p:txEl>
+                                          </p:spTgt>
+                                        </p:tgtEl>
+                                      </p:cBhvr>
+                                    </p:animEffect>
+                                  </p:childTnLst>
+                                </p:cTn>
+                              </p:par>
+                            </p:childTnLst>
+                          </p:cTn>
+                        </p:par>
+                      </p:childTnLst>
+                    </p:cTn>
+                  </p:par>
+                  <p:par>
+                    <p:cTn id="19" fill="hold">
+                      <p:stCondLst>
+                        <p:cond delay="indefinite"/>
+                      </p:stCondLst>
+                      <p:childTnLst>
+                        <p:par>
+                          <p:cTn id="20" fill="hold">
+                            <p:stCondLst>
+                              <p:cond delay="0"/>
+                            </p:stCondLst>
+                            <p:childTnLst>
+                              <p:par>
+                                <p:cTn id="21" presetID="10" presetClass="entr" presetSubtype="0" fill="hold" nodeType="clickEffect">
+                                  <p:stCondLst>
+                                    <p:cond delay="0"/>
+                                  </p:stCondLst>
+                                  <p:childTnLst>
+                                    <p:set>
+                                      <p:cBhvr>
+                                        <p:cTn id="22" dur="1" fill="hold">
+                                          <p:stCondLst>
+                                            <p:cond delay="0"/>
+                                          </p:stCondLst>
+                                        </p:cTn>
+                                        <p:tgtEl>
+                                          <p:spTgt spid="3">
+                                            <p:txEl>
+                                              <p:pRg st="4" end="4"/>
+                                            </p:txEl>
+                                          </p:spTgt>
+                                        </p:tgtEl>
+                                        <p:attrNameLst>
+                                          <p:attrName>style.visibility</p:attrName>
+                                        </p:attrNameLst>
+                                      </p:cBhvr>
+                                      <p:to>
+                                        <p:strVal val="visible"/>
+                                      </p:to>
+                                    </p:set>
+                                    <p:animEffect transition="in" filter="fade">
+                                      <p:cBhvr>
+                                        <p:cTn id="23" dur="250"/>
+                                        <p:tgtEl>
+                                          <p:spTgt spid="3">
+                                            <p:txEl>
+                                              <p:pRg st="4" end="4"/>
+                                            </p:txEl>
+                                          </p:spTgt>
+                                        </p:tgtEl>
+                                      </p:cBhvr>
+                                    </p:animEffect>
+                                  </p:childTnLst>
+                                </p:cTn>
+                              </p:par>
+                            </p:childTnLst>
+                          </p:cTn>
+                        </p:par>
+                      </p:childTnLst>
+                    </p:cTn>
+                  </p:par>
+                </p:childTnLst>
+              </p:cTn>
+              <p:prevCondLst>
+                <p:cond evt="onPrev" delay="0">
+                  <p:tgtEl>
+                    <p:sldTgt/>
+                  </p:tgtEl>
+                </p:cond>
+              </p:prevCondLst>
+              <p:nextCondLst>
+                <p:cond evt="onNext" delay="0">
+                  <p:tgtEl>
+                    <p:sldTgt/>
+                  </p:tgtEl>
+                </p:cond>
+              </p:nextCondLst>
+            </p:seq>
+          </p:childTnLst>
+        </p:cTn>
       </p:par>
     </p:tnLst>
   </p:timing>
@@ -5403,7 +7540,7 @@
             <a:spLocks noGrp="1"/>
           </p:cNvSpPr>
           <p:nvPr>
-            <p:ph type="title"/>
+            <p:ph type="ctrTitle"/>
           </p:nvPr>
         </p:nvSpPr>
         <p:spPr/>
@@ -5412,8 +7549,8 @@
           <a:lstStyle/>
           <a:p>
             <a:r>
-              <a:rPr lang="fr-FR" dirty="0" smtClean="0"/>
-              <a:t>Conclusion</a:t>
+              <a:rPr lang="fr-FR" dirty="0" err="1" smtClean="0"/>
+              <a:t>Demonstration</a:t>
             </a:r>
             <a:endParaRPr lang="fr-FR" dirty="0"/>
           </a:p>
@@ -5421,189 +7558,105 @@
       </p:sp>
       <p:sp>
         <p:nvSpPr>
-          <p:cNvPr id="3" name="Espace réservé du contenu 2"/>
+          <p:cNvPr id="3" name="Sous-titre 2"/>
           <p:cNvSpPr>
             <a:spLocks noGrp="1"/>
           </p:cNvSpPr>
           <p:nvPr>
-            <p:ph idx="1"/>
+            <p:ph type="subTitle" idx="1"/>
           </p:nvPr>
         </p:nvSpPr>
         <p:spPr/>
         <p:txBody>
-          <a:bodyPr/>
+          <a:bodyPr>
+            <a:normAutofit/>
+          </a:bodyPr>
           <a:lstStyle/>
           <a:p>
-            <a:pPr marL="0" indent="0">
-              <a:buNone/>
-            </a:pPr>
-            <a:endParaRPr lang="fr-FR" spc="300" dirty="0" smtClean="0"/>
-          </a:p>
-          <a:p>
-            <a:pPr>
-              <a:lnSpc>
-                <a:spcPct val="150000"/>
-              </a:lnSpc>
-              <a:buFont typeface=".AppleSystemUIFont" charset="-120"/>
-              <a:buChar char="-"/>
-            </a:pPr>
-            <a:r>
-              <a:rPr lang="fr-FR" dirty="0" smtClean="0"/>
-              <a:t> The </a:t>
-            </a:r>
-            <a:r>
-              <a:rPr lang="fr-FR" dirty="0" err="1" smtClean="0"/>
-              <a:t>website</a:t>
-            </a:r>
-            <a:r>
-              <a:rPr lang="fr-FR" dirty="0" smtClean="0"/>
+            <a:endParaRPr lang="fr-FR" dirty="0"/>
+          </a:p>
+        </p:txBody>
+      </p:sp>
+      <p:sp>
+        <p:nvSpPr>
+          <p:cNvPr id="9" name="ZoneTexte 8"/>
+          <p:cNvSpPr txBox="1"/>
+          <p:nvPr/>
+        </p:nvSpPr>
+        <p:spPr>
+          <a:xfrm>
+            <a:off x="357187" y="1462819"/>
+            <a:ext cx="11568111" cy="1569660"/>
+          </a:xfrm>
+          <a:prstGeom prst="rect">
+            <a:avLst/>
+          </a:prstGeom>
+          <a:noFill/>
+        </p:spPr>
+        <p:txBody>
+          <a:bodyPr wrap="square" rtlCol="0">
+            <a:spAutoFit/>
+          </a:bodyPr>
+          <a:lstStyle/>
+          <a:p>
+            <a:pPr algn="ctr"/>
+            <a:r>
+              <a:rPr lang="fr-FR" sz="9600" dirty="0" err="1"/>
+              <a:t>Now</a:t>
+            </a:r>
+            <a:r>
+              <a:rPr lang="fr-FR" sz="9600" dirty="0"/>
+              <a:t>, </a:t>
+            </a:r>
+            <a:r>
+              <a:rPr lang="fr-FR" sz="9600" dirty="0" err="1"/>
+              <a:t>let’s</a:t>
+            </a:r>
+            <a:r>
+              <a:rPr lang="fr-FR" sz="9600" dirty="0"/>
               <a:t> </a:t>
             </a:r>
             <a:r>
-              <a:rPr lang="fr-FR" dirty="0" err="1" smtClean="0"/>
-              <a:t>is</a:t>
-            </a:r>
-            <a:r>
-              <a:rPr lang="fr-FR" dirty="0" smtClean="0"/>
+              <a:rPr lang="fr-FR" sz="9600" dirty="0" err="1"/>
+              <a:t>try</a:t>
+            </a:r>
+            <a:r>
+              <a:rPr lang="fr-FR" sz="9600" dirty="0"/>
               <a:t> </a:t>
             </a:r>
             <a:r>
-              <a:rPr lang="fr-FR" dirty="0" err="1" smtClean="0"/>
-              <a:t>very</a:t>
-            </a:r>
-            <a:r>
-              <a:rPr lang="fr-FR" dirty="0" smtClean="0"/>
-              <a:t> </a:t>
-            </a:r>
-            <a:r>
-              <a:rPr lang="fr-FR" dirty="0" err="1"/>
-              <a:t>useful</a:t>
-            </a:r>
-            <a:r>
-              <a:rPr lang="fr-FR" dirty="0"/>
-              <a:t> for </a:t>
-            </a:r>
-            <a:r>
-              <a:rPr lang="fr-FR" dirty="0" err="1" smtClean="0"/>
-              <a:t>travelers</a:t>
-            </a:r>
-            <a:r>
-              <a:rPr lang="fr-FR" dirty="0" smtClean="0"/>
-              <a:t> </a:t>
-            </a:r>
-          </a:p>
-          <a:p>
-            <a:pPr>
-              <a:lnSpc>
-                <a:spcPct val="150000"/>
-              </a:lnSpc>
-              <a:buFont typeface=".AppleSystemUIFont" charset="-120"/>
-              <a:buChar char="-"/>
-            </a:pPr>
-            <a:r>
-              <a:rPr lang="fr-FR" dirty="0" smtClean="0"/>
-              <a:t> The </a:t>
-            </a:r>
-            <a:r>
-              <a:rPr lang="fr-FR" dirty="0" err="1" smtClean="0"/>
-              <a:t>website</a:t>
-            </a:r>
-            <a:r>
-              <a:rPr lang="fr-FR" dirty="0" smtClean="0"/>
-              <a:t> </a:t>
-            </a:r>
-            <a:r>
-              <a:rPr lang="fr-FR" dirty="0" err="1" smtClean="0"/>
-              <a:t>is</a:t>
-            </a:r>
-            <a:r>
-              <a:rPr lang="fr-FR" dirty="0" smtClean="0"/>
-              <a:t> </a:t>
-            </a:r>
-            <a:r>
-              <a:rPr lang="fr-FR" dirty="0" err="1" smtClean="0"/>
-              <a:t>easy</a:t>
-            </a:r>
-            <a:r>
-              <a:rPr lang="fr-FR" dirty="0" smtClean="0"/>
-              <a:t> to master</a:t>
-            </a:r>
-          </a:p>
-          <a:p>
-            <a:pPr>
-              <a:lnSpc>
-                <a:spcPct val="150000"/>
-              </a:lnSpc>
-              <a:buFont typeface=".AppleSystemUIFont" charset="-120"/>
-              <a:buChar char="-"/>
-            </a:pPr>
-            <a:r>
-              <a:rPr lang="fr-FR" dirty="0"/>
-              <a:t> </a:t>
-            </a:r>
-            <a:r>
-              <a:rPr lang="fr-FR" dirty="0" smtClean="0"/>
-              <a:t>The </a:t>
-            </a:r>
-            <a:r>
-              <a:rPr lang="fr-FR" dirty="0" err="1" smtClean="0"/>
-              <a:t>website</a:t>
-            </a:r>
-            <a:r>
-              <a:rPr lang="fr-FR" dirty="0" smtClean="0"/>
-              <a:t> </a:t>
-            </a:r>
-            <a:r>
-              <a:rPr lang="fr-FR" dirty="0" err="1" smtClean="0"/>
-              <a:t>is</a:t>
-            </a:r>
-            <a:r>
-              <a:rPr lang="fr-FR" dirty="0" smtClean="0"/>
-              <a:t> </a:t>
-            </a:r>
-            <a:r>
-              <a:rPr lang="fr-FR" dirty="0" err="1"/>
-              <a:t>e</a:t>
-            </a:r>
-            <a:r>
-              <a:rPr lang="fr-FR" dirty="0" err="1" smtClean="0"/>
-              <a:t>asy</a:t>
-            </a:r>
-            <a:r>
-              <a:rPr lang="fr-FR" dirty="0" smtClean="0"/>
-              <a:t> to </a:t>
-            </a:r>
-            <a:r>
-              <a:rPr lang="fr-FR" dirty="0" err="1" smtClean="0"/>
-              <a:t>improve</a:t>
-            </a:r>
-            <a:r>
-              <a:rPr lang="fr-FR" dirty="0" smtClean="0"/>
-              <a:t> </a:t>
-            </a:r>
-          </a:p>
-          <a:p>
-            <a:pPr>
-              <a:lnSpc>
-                <a:spcPct val="150000"/>
-              </a:lnSpc>
-              <a:buFontTx/>
-              <a:buChar char="-"/>
-            </a:pPr>
-            <a:endParaRPr lang="fr-FR" dirty="0" smtClean="0"/>
+              <a:rPr lang="fr-FR" sz="9600" dirty="0" err="1"/>
+              <a:t>it</a:t>
+            </a:r>
+            <a:r>
+              <a:rPr lang="fr-FR" sz="9600" dirty="0"/>
+              <a:t> !</a:t>
+            </a:r>
           </a:p>
         </p:txBody>
       </p:sp>
     </p:spTree>
     <p:extLst>
       <p:ext uri="{BB962C8B-B14F-4D97-AF65-F5344CB8AC3E}">
-        <p14:creationId xmlns:p14="http://schemas.microsoft.com/office/powerpoint/2010/main" val="1606462153"/>
+        <p14:creationId xmlns:p14="http://schemas.microsoft.com/office/powerpoint/2010/main" val="2000792406"/>
       </p:ext>
     </p:extLst>
   </p:cSld>
   <p:clrMapOvr>
     <a:masterClrMapping/>
   </p:clrMapOvr>
+  <mc:AlternateContent xmlns:mc="http://schemas.openxmlformats.org/markup-compatibility/2006" xmlns:p14="http://schemas.microsoft.com/office/powerpoint/2010/main">
+    <mc:Choice Requires="p14">
+      <p:transition spd="med" p14:dur="700">
+        <p:fade/>
+      </p:transition>
+    </mc:Choice>
+    <mc:Fallback xmlns="">
+      <p:transition spd="med">
+        <p:fade/>
+      </p:transition>
+    </mc:Fallback>
+  </mc:AlternateContent>
   <p:timing>
     <p:tnLst>
       <p:par>
@@ -5646,7 +7699,7 @@
             <a:spLocks noGrp="1"/>
           </p:cNvSpPr>
           <p:nvPr>
-            <p:ph type="ctrTitle"/>
+            <p:ph type="title"/>
           </p:nvPr>
         </p:nvSpPr>
         <p:spPr/>
@@ -5655,8 +7708,8 @@
           <a:lstStyle/>
           <a:p>
             <a:r>
-              <a:rPr lang="fr-FR" dirty="0" err="1" smtClean="0"/>
-              <a:t>PrEsentation</a:t>
+              <a:rPr lang="fr-FR" dirty="0" smtClean="0"/>
+              <a:t>Conclusion</a:t>
             </a:r>
             <a:endParaRPr lang="fr-FR" dirty="0"/>
           </a:p>
@@ -5664,178 +7717,201 @@
       </p:sp>
       <p:sp>
         <p:nvSpPr>
-          <p:cNvPr id="3" name="Sous-titre 2"/>
+          <p:cNvPr id="3" name="Espace réservé du contenu 2"/>
           <p:cNvSpPr>
             <a:spLocks noGrp="1"/>
           </p:cNvSpPr>
           <p:nvPr>
-            <p:ph type="subTitle" idx="1"/>
+            <p:ph idx="1"/>
           </p:nvPr>
         </p:nvSpPr>
         <p:spPr/>
         <p:txBody>
-          <a:bodyPr>
-            <a:normAutofit/>
-          </a:bodyPr>
+          <a:bodyPr/>
           <a:lstStyle/>
           <a:p>
-            <a:r>
-              <a:rPr lang="fr-FR" dirty="0" smtClean="0"/>
-              <a:t>English </a:t>
-            </a:r>
-            <a:r>
-              <a:rPr lang="fr-FR" dirty="0" err="1" smtClean="0"/>
-              <a:t>project</a:t>
-            </a:r>
-            <a:r>
-              <a:rPr lang="fr-FR" dirty="0" smtClean="0"/>
-              <a:t> by </a:t>
-            </a:r>
-            <a:r>
-              <a:rPr lang="fr-FR" dirty="0" err="1" smtClean="0"/>
-              <a:t>Frederic</a:t>
-            </a:r>
-            <a:r>
-              <a:rPr lang="fr-FR" dirty="0" smtClean="0"/>
-              <a:t> Georges and </a:t>
-            </a:r>
-            <a:r>
-              <a:rPr lang="fr-FR" dirty="0" smtClean="0"/>
-              <a:t>Constance </a:t>
+            <a:pPr marL="0" indent="0">
+              <a:buNone/>
+            </a:pPr>
+            <a:endParaRPr lang="fr-FR" spc="300" dirty="0" smtClean="0"/>
+          </a:p>
+          <a:p>
+            <a:pPr>
+              <a:lnSpc>
+                <a:spcPct val="150000"/>
+              </a:lnSpc>
+              <a:buFont typeface=".AppleSystemUIFont" charset="-120"/>
+              <a:buChar char="-"/>
+            </a:pPr>
+            <a:r>
+              <a:rPr lang="fr-FR" dirty="0" smtClean="0"/>
+              <a:t> The </a:t>
+            </a:r>
+            <a:r>
+              <a:rPr lang="fr-FR" dirty="0" err="1" smtClean="0"/>
+              <a:t>website</a:t>
+            </a:r>
+            <a:r>
+              <a:rPr lang="fr-FR" dirty="0" smtClean="0"/>
+              <a:t> </a:t>
+            </a:r>
+            <a:r>
+              <a:rPr lang="fr-FR" dirty="0" err="1" smtClean="0"/>
+              <a:t>is</a:t>
+            </a:r>
+            <a:r>
+              <a:rPr lang="fr-FR" dirty="0" smtClean="0"/>
+              <a:t> </a:t>
+            </a:r>
+            <a:r>
+              <a:rPr lang="fr-FR" dirty="0" err="1" smtClean="0"/>
+              <a:t>very</a:t>
+            </a:r>
+            <a:r>
+              <a:rPr lang="fr-FR" dirty="0" smtClean="0"/>
+              <a:t> </a:t>
+            </a:r>
+            <a:r>
+              <a:rPr lang="fr-FR" dirty="0" err="1"/>
+              <a:t>useful</a:t>
             </a:r>
             <a:r>
               <a:rPr lang="fr-FR" dirty="0"/>
-              <a:t>P</a:t>
-            </a:r>
-            <a:r>
-              <a:rPr lang="fr-FR" dirty="0" smtClean="0"/>
-              <a:t>ineau</a:t>
-            </a:r>
+              <a:t> for </a:t>
+            </a:r>
+            <a:r>
+              <a:rPr lang="fr-FR" dirty="0" err="1" smtClean="0"/>
+              <a:t>travelers</a:t>
+            </a:r>
+            <a:r>
+              <a:rPr lang="fr-FR" dirty="0" smtClean="0"/>
+              <a:t> </a:t>
+            </a:r>
+          </a:p>
+          <a:p>
+            <a:pPr>
+              <a:lnSpc>
+                <a:spcPct val="150000"/>
+              </a:lnSpc>
+              <a:buFont typeface=".AppleSystemUIFont" charset="-120"/>
+              <a:buChar char="-"/>
+            </a:pPr>
+            <a:r>
+              <a:rPr lang="fr-FR" dirty="0" smtClean="0"/>
+              <a:t> The </a:t>
+            </a:r>
+            <a:r>
+              <a:rPr lang="fr-FR" dirty="0" err="1" smtClean="0"/>
+              <a:t>website</a:t>
+            </a:r>
+            <a:r>
+              <a:rPr lang="fr-FR" dirty="0" smtClean="0"/>
+              <a:t> </a:t>
+            </a:r>
+            <a:r>
+              <a:rPr lang="fr-FR" dirty="0" err="1" smtClean="0"/>
+              <a:t>is</a:t>
+            </a:r>
+            <a:r>
+              <a:rPr lang="fr-FR" dirty="0" smtClean="0"/>
+              <a:t> </a:t>
+            </a:r>
+            <a:r>
+              <a:rPr lang="fr-FR" dirty="0" err="1" smtClean="0"/>
+              <a:t>easy</a:t>
+            </a:r>
+            <a:r>
+              <a:rPr lang="fr-FR" dirty="0" smtClean="0"/>
+              <a:t> to master</a:t>
+            </a:r>
+          </a:p>
+          <a:p>
+            <a:pPr>
+              <a:lnSpc>
+                <a:spcPct val="150000"/>
+              </a:lnSpc>
+              <a:buFont typeface=".AppleSystemUIFont" charset="-120"/>
+              <a:buChar char="-"/>
+            </a:pPr>
+            <a:r>
+              <a:rPr lang="fr-FR" dirty="0"/>
+              <a:t> </a:t>
+            </a:r>
+            <a:r>
+              <a:rPr lang="fr-FR" dirty="0" smtClean="0"/>
+              <a:t>The </a:t>
+            </a:r>
+            <a:r>
+              <a:rPr lang="fr-FR" dirty="0" err="1" smtClean="0"/>
+              <a:t>website</a:t>
+            </a:r>
+            <a:r>
+              <a:rPr lang="fr-FR" dirty="0" smtClean="0"/>
+              <a:t> </a:t>
+            </a:r>
+            <a:r>
+              <a:rPr lang="fr-FR" dirty="0" err="1" smtClean="0"/>
+              <a:t>is</a:t>
+            </a:r>
+            <a:r>
+              <a:rPr lang="fr-FR" dirty="0" smtClean="0"/>
+              <a:t> </a:t>
+            </a:r>
+            <a:r>
+              <a:rPr lang="fr-FR" dirty="0" err="1"/>
+              <a:t>e</a:t>
+            </a:r>
+            <a:r>
+              <a:rPr lang="fr-FR" dirty="0" err="1" smtClean="0"/>
+              <a:t>asy</a:t>
+            </a:r>
+            <a:r>
+              <a:rPr lang="fr-FR" dirty="0" smtClean="0"/>
+              <a:t> to </a:t>
+            </a:r>
+            <a:r>
+              <a:rPr lang="fr-FR" dirty="0" err="1" smtClean="0"/>
+              <a:t>improve</a:t>
+            </a:r>
+            <a:r>
+              <a:rPr lang="fr-FR" dirty="0" smtClean="0"/>
+              <a:t> </a:t>
+            </a:r>
+          </a:p>
+          <a:p>
+            <a:pPr>
+              <a:lnSpc>
+                <a:spcPct val="150000"/>
+              </a:lnSpc>
+              <a:buFontTx/>
+              <a:buChar char="-"/>
+            </a:pPr>
             <a:endParaRPr lang="fr-FR" dirty="0" smtClean="0"/>
-          </a:p>
-          <a:p>
-            <a:r>
-              <a:rPr lang="fr-FR" dirty="0" smtClean="0"/>
-              <a:t>3rd of April 2017</a:t>
-            </a:r>
-            <a:endParaRPr lang="fr-FR" dirty="0"/>
-          </a:p>
-        </p:txBody>
-      </p:sp>
-      <p:sp>
-        <p:nvSpPr>
-          <p:cNvPr id="9" name="ZoneTexte 8"/>
-          <p:cNvSpPr txBox="1"/>
-          <p:nvPr/>
-        </p:nvSpPr>
-        <p:spPr>
-          <a:xfrm>
-            <a:off x="357187" y="1462819"/>
-            <a:ext cx="11568111" cy="3046988"/>
-          </a:xfrm>
-          <a:prstGeom prst="rect">
-            <a:avLst/>
-          </a:prstGeom>
-          <a:noFill/>
-        </p:spPr>
-        <p:txBody>
-          <a:bodyPr wrap="square" rtlCol="0">
-            <a:spAutoFit/>
-          </a:bodyPr>
-          <a:lstStyle/>
-          <a:p>
-            <a:pPr algn="ctr"/>
-            <a:r>
-              <a:rPr lang="fr-FR" sz="9600" dirty="0" err="1" smtClean="0">
-                <a:latin typeface="+mj-lt"/>
-              </a:rPr>
-              <a:t>Thanks</a:t>
-            </a:r>
-            <a:r>
-              <a:rPr lang="fr-FR" sz="9600" dirty="0" smtClean="0">
-                <a:latin typeface="+mj-lt"/>
-              </a:rPr>
-              <a:t> for </a:t>
-            </a:r>
-            <a:r>
-              <a:rPr lang="fr-FR" sz="9600" dirty="0" err="1" smtClean="0">
-                <a:latin typeface="+mj-lt"/>
-              </a:rPr>
-              <a:t>your</a:t>
-            </a:r>
-            <a:r>
-              <a:rPr lang="fr-FR" sz="9600" dirty="0" smtClean="0">
-                <a:latin typeface="+mj-lt"/>
-              </a:rPr>
-              <a:t> attention</a:t>
-            </a:r>
-          </a:p>
-          <a:p>
-            <a:pPr algn="ctr"/>
-            <a:r>
-              <a:rPr lang="fr-FR" sz="9600" dirty="0" err="1" smtClean="0">
-                <a:latin typeface="+mj-lt"/>
-              </a:rPr>
-              <a:t>Now</a:t>
-            </a:r>
-            <a:r>
-              <a:rPr lang="fr-FR" sz="9600" dirty="0" smtClean="0">
-                <a:latin typeface="+mj-lt"/>
-              </a:rPr>
-              <a:t>, </a:t>
-            </a:r>
-            <a:r>
-              <a:rPr lang="fr-FR" sz="9600" dirty="0" err="1" smtClean="0">
-                <a:latin typeface="+mj-lt"/>
-              </a:rPr>
-              <a:t>let’s</a:t>
-            </a:r>
-            <a:r>
-              <a:rPr lang="fr-FR" sz="9600" dirty="0" smtClean="0">
-                <a:latin typeface="+mj-lt"/>
-              </a:rPr>
-              <a:t> </a:t>
-            </a:r>
-            <a:r>
-              <a:rPr lang="fr-FR" sz="9600" dirty="0" err="1" smtClean="0">
-                <a:latin typeface="+mj-lt"/>
-              </a:rPr>
-              <a:t>try</a:t>
-            </a:r>
-            <a:r>
-              <a:rPr lang="fr-FR" sz="9600" dirty="0" smtClean="0">
-                <a:latin typeface="+mj-lt"/>
-              </a:rPr>
-              <a:t> </a:t>
-            </a:r>
-            <a:r>
-              <a:rPr lang="fr-FR" sz="9600" dirty="0" err="1" smtClean="0">
-                <a:latin typeface="+mj-lt"/>
-              </a:rPr>
-              <a:t>it</a:t>
-            </a:r>
-            <a:r>
-              <a:rPr lang="fr-FR" sz="9600" dirty="0" smtClean="0">
-                <a:latin typeface="+mj-lt"/>
-              </a:rPr>
-              <a:t> !</a:t>
-            </a:r>
-            <a:endParaRPr lang="fr-FR" sz="9600" dirty="0">
-              <a:latin typeface="+mj-lt"/>
-            </a:endParaRPr>
           </a:p>
         </p:txBody>
       </p:sp>
     </p:spTree>
     <p:extLst>
       <p:ext uri="{BB962C8B-B14F-4D97-AF65-F5344CB8AC3E}">
-        <p14:creationId xmlns:p14="http://schemas.microsoft.com/office/powerpoint/2010/main" val="2000792406"/>
+        <p14:creationId xmlns:p14="http://schemas.microsoft.com/office/powerpoint/2010/main" val="1606462153"/>
       </p:ext>
     </p:extLst>
   </p:cSld>
   <p:clrMapOvr>
     <a:masterClrMapping/>
   </p:clrMapOvr>
+  <mc:AlternateContent xmlns:mc="http://schemas.openxmlformats.org/markup-compatibility/2006" xmlns:p14="http://schemas.microsoft.com/office/powerpoint/2010/main">
+    <mc:Choice Requires="p14">
+      <p:transition spd="med" p14:dur="700">
+        <p:fade/>
+      </p:transition>
+    </mc:Choice>
+    <mc:Fallback xmlns="">
+      <p:transition spd="med">
+        <p:fade/>
+      </p:transition>
+    </mc:Fallback>
+  </mc:AlternateContent>
   <p:timing>
     <p:tnLst>
       <p:par>
